--- a/ODD/materials/part3_repo_structure.pptx
+++ b/ODD/materials/part3_repo_structure.pptx
@@ -5,7 +5,7 @@
     <p:sldMasterId id="2147483648" r:id="rId1"/>
   </p:sldMasterIdLst>
   <p:notesMasterIdLst>
-    <p:notesMasterId r:id="rId16"/>
+    <p:notesMasterId r:id="rId15"/>
   </p:notesMasterIdLst>
   <p:sldIdLst>
     <p:sldId id="278" r:id="rId2"/>
@@ -13,15 +13,14 @@
     <p:sldId id="387" r:id="rId4"/>
     <p:sldId id="302" r:id="rId5"/>
     <p:sldId id="298" r:id="rId6"/>
-    <p:sldId id="303" r:id="rId7"/>
-    <p:sldId id="384" r:id="rId8"/>
+    <p:sldId id="388" r:id="rId7"/>
+    <p:sldId id="303" r:id="rId8"/>
     <p:sldId id="355" r:id="rId9"/>
     <p:sldId id="385" r:id="rId10"/>
-    <p:sldId id="386" r:id="rId11"/>
-    <p:sldId id="357" r:id="rId12"/>
-    <p:sldId id="306" r:id="rId13"/>
-    <p:sldId id="301" r:id="rId14"/>
-    <p:sldId id="304" r:id="rId15"/>
+    <p:sldId id="357" r:id="rId11"/>
+    <p:sldId id="306" r:id="rId12"/>
+    <p:sldId id="301" r:id="rId13"/>
+    <p:sldId id="304" r:id="rId14"/>
   </p:sldIdLst>
   <p:sldSz cx="9144000" cy="5143500" type="screen16x9"/>
   <p:notesSz cx="6858000" cy="9144000"/>
@@ -5445,1007 +5444,6 @@
   <p:cSld>
     <p:spTree>
       <p:nvGrpSpPr>
-        <p:cNvPr id="1" name="">
-          <a:extLst>
-            <a:ext uri="{FF2B5EF4-FFF2-40B4-BE49-F238E27FC236}">
-              <a16:creationId xmlns:a16="http://schemas.microsoft.com/office/drawing/2014/main" id="{FF08A15D-D5BC-94FE-FC58-C2121ADBC83B}"/>
-            </a:ext>
-          </a:extLst>
-        </p:cNvPr>
-        <p:cNvGrpSpPr/>
-        <p:nvPr/>
-      </p:nvGrpSpPr>
-      <p:grpSpPr>
-        <a:xfrm>
-          <a:off x="0" y="0"/>
-          <a:ext cx="0" cy="0"/>
-          <a:chOff x="0" y="0"/>
-          <a:chExt cx="0" cy="0"/>
-        </a:xfrm>
-      </p:grpSpPr>
-      <p:sp>
-        <p:nvSpPr>
-          <p:cNvPr id="6" name="Text Placeholder 2">
-            <a:extLst>
-              <a:ext uri="{FF2B5EF4-FFF2-40B4-BE49-F238E27FC236}">
-                <a16:creationId xmlns:a16="http://schemas.microsoft.com/office/drawing/2014/main" id="{A8E4671C-11C9-2FD3-636A-3A682D5BE0AA}"/>
-              </a:ext>
-            </a:extLst>
-          </p:cNvPr>
-          <p:cNvSpPr txBox="1">
-            <a:spLocks noGrp="1"/>
-          </p:cNvSpPr>
-          <p:nvPr>
-            <p:ph type="body" idx="1"/>
-          </p:nvPr>
-        </p:nvSpPr>
-        <p:spPr>
-          <a:xfrm>
-            <a:off x="869151" y="845999"/>
-            <a:ext cx="4455682" cy="3775947"/>
-          </a:xfrm>
-          <a:prstGeom prst="rect">
-            <a:avLst/>
-          </a:prstGeom>
-        </p:spPr>
-        <p:txBody>
-          <a:bodyPr>
-            <a:normAutofit/>
-          </a:bodyPr>
-          <a:lstStyle/>
-          <a:p>
-            <a:pPr indent="-330192">
-              <a:buSzPts val="1700"/>
-              <a:defRPr sz="1700"/>
-            </a:pPr>
-            <a:r>
-              <a:rPr lang="en-US" dirty="0"/>
-              <a:t>Within-module standard order:</a:t>
-            </a:r>
-          </a:p>
-          <a:p>
-            <a:pPr marL="1041373" lvl="2" indent="0">
-              <a:buSzPts val="1700"/>
-              <a:buNone/>
-              <a:defRPr sz="1700"/>
-            </a:pPr>
-            <a:endParaRPr lang="en-US" b="1" dirty="0"/>
-          </a:p>
-        </p:txBody>
-      </p:sp>
-      <p:sp>
-        <p:nvSpPr>
-          <p:cNvPr id="7" name="Slide Number Placeholder 3">
-            <a:extLst>
-              <a:ext uri="{FF2B5EF4-FFF2-40B4-BE49-F238E27FC236}">
-                <a16:creationId xmlns:a16="http://schemas.microsoft.com/office/drawing/2014/main" id="{B32733A3-0EAD-07E7-92D9-535DC11BD554}"/>
-              </a:ext>
-            </a:extLst>
-          </p:cNvPr>
-          <p:cNvSpPr txBox="1">
-            <a:spLocks noGrp="1"/>
-          </p:cNvSpPr>
-          <p:nvPr>
-            <p:ph type="sldNum" sz="quarter" idx="2"/>
-          </p:nvPr>
-        </p:nvSpPr>
-        <p:spPr>
-          <a:xfrm>
-            <a:off x="8317170" y="4384352"/>
-            <a:ext cx="391029" cy="411451"/>
-          </a:xfrm>
-          <a:prstGeom prst="rect">
-            <a:avLst/>
-          </a:prstGeom>
-          <a:extLst>
-            <a:ext uri="{C572A759-6A51-4108-AA02-DFA0A04FC94B}">
-              <ma14:wrappingTextBoxFlag xmlns="" xmlns:m="http://schemas.openxmlformats.org/officeDocument/2006/math" xmlns:a14="http://schemas.microsoft.com/office/drawing/2010/main" xmlns:ma14="http://schemas.microsoft.com/office/mac/drawingml/2011/main" val="1"/>
-            </a:ext>
-          </a:extLst>
-        </p:spPr>
-        <p:txBody>
-          <a:bodyPr/>
-          <a:lstStyle/>
-          <a:p>
-            <a:fld id="{86CB4B4D-7CA3-9044-876B-883B54F8677D}" type="slidenum">
-              <a:rPr/>
-              <a:t>10</a:t>
-            </a:fld>
-            <a:endParaRPr/>
-          </a:p>
-        </p:txBody>
-      </p:sp>
-      <p:sp>
-        <p:nvSpPr>
-          <p:cNvPr id="8" name="Title 1">
-            <a:extLst>
-              <a:ext uri="{FF2B5EF4-FFF2-40B4-BE49-F238E27FC236}">
-                <a16:creationId xmlns:a16="http://schemas.microsoft.com/office/drawing/2014/main" id="{AA54DFC2-A432-F155-086F-E4260E3F60FA}"/>
-              </a:ext>
-            </a:extLst>
-          </p:cNvPr>
-          <p:cNvSpPr txBox="1">
-            <a:spLocks noGrp="1"/>
-          </p:cNvSpPr>
-          <p:nvPr>
-            <p:ph type="title"/>
-          </p:nvPr>
-        </p:nvSpPr>
-        <p:spPr>
-          <a:xfrm>
-            <a:off x="869152" y="0"/>
-            <a:ext cx="5346018" cy="912373"/>
-          </a:xfrm>
-          <a:prstGeom prst="rect">
-            <a:avLst/>
-          </a:prstGeom>
-          <a:solidFill>
-            <a:srgbClr val="FFFFFF"/>
-          </a:solidFill>
-        </p:spPr>
-        <p:txBody>
-          <a:bodyPr anchor="t">
-            <a:normAutofit fontScale="90000"/>
-          </a:bodyPr>
-          <a:lstStyle/>
-          <a:p>
-            <a:r>
-              <a:rPr lang="en-US" dirty="0" err="1"/>
-              <a:t>Organising</a:t>
-            </a:r>
-            <a:r>
-              <a:rPr lang="en-US" dirty="0"/>
-              <a:t> file contents</a:t>
-            </a:r>
-            <a:endParaRPr dirty="0"/>
-          </a:p>
-        </p:txBody>
-      </p:sp>
-      <p:sp>
-        <p:nvSpPr>
-          <p:cNvPr id="9" name="Rechteck 8">
-            <a:extLst>
-              <a:ext uri="{FF2B5EF4-FFF2-40B4-BE49-F238E27FC236}">
-                <a16:creationId xmlns:a16="http://schemas.microsoft.com/office/drawing/2014/main" id="{B55BBBAF-D921-C9E8-5943-CCF772EDEA62}"/>
-              </a:ext>
-            </a:extLst>
-          </p:cNvPr>
-          <p:cNvSpPr/>
-          <p:nvPr/>
-        </p:nvSpPr>
-        <p:spPr>
-          <a:xfrm>
-            <a:off x="5104493" y="804267"/>
-            <a:ext cx="3025083" cy="954105"/>
-          </a:xfrm>
-          <a:prstGeom prst="rect">
-            <a:avLst/>
-          </a:prstGeom>
-          <a:solidFill>
-            <a:srgbClr val="FFFFFF"/>
-          </a:solidFill>
-          <a:ln w="38100" cap="flat">
-            <a:solidFill>
-              <a:schemeClr val="accent1"/>
-            </a:solidFill>
-            <a:prstDash val="dash"/>
-            <a:round/>
-          </a:ln>
-          <a:effectLst/>
-          <a:sp3d/>
-        </p:spPr>
-        <p:style>
-          <a:lnRef idx="0">
-            <a:scrgbClr r="0" g="0" b="0"/>
-          </a:lnRef>
-          <a:fillRef idx="0">
-            <a:scrgbClr r="0" g="0" b="0"/>
-          </a:fillRef>
-          <a:effectRef idx="0">
-            <a:scrgbClr r="0" g="0" b="0"/>
-          </a:effectRef>
-          <a:fontRef idx="none"/>
-        </p:style>
-        <p:txBody>
-          <a:bodyPr rot="0" spcFirstLastPara="1" vertOverflow="overflow" horzOverflow="overflow" vert="horz" wrap="square" lIns="45719" tIns="45719" rIns="45719" bIns="45719" numCol="1" spcCol="38100" rtlCol="0" anchor="t">
-            <a:spAutoFit/>
-          </a:bodyPr>
-          <a:lstStyle/>
-          <a:p>
-            <a:pPr marL="108000" marR="0" indent="0" algn="l" defTabSz="914400" rtl="0" fontAlgn="auto" latinLnBrk="0" hangingPunct="0">
-              <a:buClrTx/>
-              <a:buSzTx/>
-              <a:buFontTx/>
-              <a:buNone/>
-              <a:tabLst/>
-            </a:pPr>
-            <a:r>
-              <a:rPr kumimoji="0" lang="de-DE" sz="1400" b="1" i="0" u="none" strike="noStrike" cap="none" spc="0" normalizeH="0" baseline="0" dirty="0">
-                <a:ln>
-                  <a:noFill/>
-                </a:ln>
-                <a:solidFill>
-                  <a:schemeClr val="accent1"/>
-                </a:solidFill>
-                <a:effectLst/>
-                <a:uFillTx/>
-                <a:latin typeface="+mj-lt"/>
-                <a:ea typeface="+mj-ea"/>
-                <a:cs typeface="+mj-cs"/>
-                <a:sym typeface="Arial"/>
-              </a:rPr>
-              <a:t>1. </a:t>
-            </a:r>
-            <a:r>
-              <a:rPr kumimoji="0" lang="de-DE" sz="1400" b="1" i="0" u="none" strike="noStrike" cap="none" spc="0" normalizeH="0" baseline="0" dirty="0" err="1">
-                <a:ln>
-                  <a:noFill/>
-                </a:ln>
-                <a:solidFill>
-                  <a:schemeClr val="accent1"/>
-                </a:solidFill>
-                <a:effectLst/>
-                <a:uFillTx/>
-                <a:latin typeface="+mj-lt"/>
-                <a:ea typeface="+mj-ea"/>
-                <a:cs typeface="+mj-cs"/>
-                <a:sym typeface="Arial"/>
-              </a:rPr>
-              <a:t>imports</a:t>
-            </a:r>
-            <a:endParaRPr kumimoji="0" lang="de-DE" sz="1400" b="1" i="0" u="none" strike="noStrike" cap="none" spc="0" normalizeH="0" baseline="0" dirty="0">
-              <a:ln>
-                <a:noFill/>
-              </a:ln>
-              <a:solidFill>
-                <a:schemeClr val="accent1"/>
-              </a:solidFill>
-              <a:effectLst/>
-              <a:uFillTx/>
-              <a:latin typeface="+mj-lt"/>
-              <a:ea typeface="+mj-ea"/>
-              <a:cs typeface="+mj-cs"/>
-              <a:sym typeface="Arial"/>
-            </a:endParaRPr>
-          </a:p>
-          <a:p>
-            <a:pPr marL="108000" marR="0" indent="-285750" algn="l" defTabSz="914400" rtl="0" fontAlgn="auto" latinLnBrk="0" hangingPunct="0">
-              <a:buClrTx/>
-              <a:buSzTx/>
-              <a:buFontTx/>
-              <a:buChar char="-"/>
-              <a:tabLst/>
-            </a:pPr>
-            <a:r>
-              <a:rPr lang="de-DE" dirty="0" err="1">
-                <a:solidFill>
-                  <a:schemeClr val="tx1"/>
-                </a:solidFill>
-              </a:rPr>
-              <a:t>standard</a:t>
-            </a:r>
-            <a:r>
-              <a:rPr lang="de-DE" dirty="0">
-                <a:solidFill>
-                  <a:schemeClr val="tx1"/>
-                </a:solidFill>
-              </a:rPr>
-              <a:t> Python </a:t>
-            </a:r>
-            <a:r>
-              <a:rPr lang="de-DE" dirty="0" err="1">
-                <a:solidFill>
-                  <a:schemeClr val="tx1"/>
-                </a:solidFill>
-              </a:rPr>
-              <a:t>library</a:t>
-            </a:r>
-            <a:endParaRPr lang="de-DE" dirty="0">
-              <a:solidFill>
-                <a:schemeClr val="tx1"/>
-              </a:solidFill>
-            </a:endParaRPr>
-          </a:p>
-          <a:p>
-            <a:pPr marL="108000" marR="0" indent="-285750" algn="l" defTabSz="914400" rtl="0" fontAlgn="auto" latinLnBrk="0" hangingPunct="0">
-              <a:buClrTx/>
-              <a:buSzTx/>
-              <a:buFontTx/>
-              <a:buChar char="-"/>
-              <a:tabLst/>
-            </a:pPr>
-            <a:r>
-              <a:rPr lang="de-DE" dirty="0" err="1">
-                <a:solidFill>
-                  <a:schemeClr val="tx1"/>
-                </a:solidFill>
-              </a:rPr>
-              <a:t>installed</a:t>
-            </a:r>
-            <a:r>
-              <a:rPr lang="de-DE" dirty="0">
-                <a:solidFill>
-                  <a:schemeClr val="tx1"/>
-                </a:solidFill>
-              </a:rPr>
-              <a:t> </a:t>
-            </a:r>
-            <a:r>
-              <a:rPr lang="de-DE" dirty="0" err="1">
-                <a:solidFill>
-                  <a:schemeClr val="tx1"/>
-                </a:solidFill>
-              </a:rPr>
-              <a:t>packages</a:t>
-            </a:r>
-            <a:endParaRPr lang="de-DE" dirty="0">
-              <a:solidFill>
-                <a:schemeClr val="tx1"/>
-              </a:solidFill>
-            </a:endParaRPr>
-          </a:p>
-          <a:p>
-            <a:pPr marL="108000" marR="0" indent="-285750" algn="l" defTabSz="914400" rtl="0" fontAlgn="auto" latinLnBrk="0" hangingPunct="0">
-              <a:buClrTx/>
-              <a:buSzTx/>
-              <a:buFontTx/>
-              <a:buChar char="-"/>
-              <a:tabLst/>
-            </a:pPr>
-            <a:r>
-              <a:rPr lang="de-DE" dirty="0" err="1">
-                <a:solidFill>
-                  <a:schemeClr val="tx1"/>
-                </a:solidFill>
-              </a:rPr>
-              <a:t>local</a:t>
-            </a:r>
-            <a:r>
-              <a:rPr lang="de-DE" dirty="0">
-                <a:solidFill>
-                  <a:schemeClr val="tx1"/>
-                </a:solidFill>
-              </a:rPr>
-              <a:t> </a:t>
-            </a:r>
-            <a:r>
-              <a:rPr lang="de-DE" dirty="0" err="1">
-                <a:solidFill>
-                  <a:schemeClr val="tx1"/>
-                </a:solidFill>
-              </a:rPr>
-              <a:t>modules</a:t>
-            </a:r>
-            <a:endParaRPr lang="de-DE" dirty="0">
-              <a:solidFill>
-                <a:schemeClr val="tx1"/>
-              </a:solidFill>
-            </a:endParaRPr>
-          </a:p>
-        </p:txBody>
-      </p:sp>
-      <p:sp>
-        <p:nvSpPr>
-          <p:cNvPr id="10" name="Rechteck 9">
-            <a:extLst>
-              <a:ext uri="{FF2B5EF4-FFF2-40B4-BE49-F238E27FC236}">
-                <a16:creationId xmlns:a16="http://schemas.microsoft.com/office/drawing/2014/main" id="{F717BF18-42C7-5815-DDB2-22B2955E7632}"/>
-              </a:ext>
-            </a:extLst>
-          </p:cNvPr>
-          <p:cNvSpPr/>
-          <p:nvPr/>
-        </p:nvSpPr>
-        <p:spPr>
-          <a:xfrm>
-            <a:off x="5104493" y="2095789"/>
-            <a:ext cx="3025083" cy="523218"/>
-          </a:xfrm>
-          <a:prstGeom prst="rect">
-            <a:avLst/>
-          </a:prstGeom>
-          <a:solidFill>
-            <a:srgbClr val="FFFFFF"/>
-          </a:solidFill>
-          <a:ln w="38100" cap="flat">
-            <a:solidFill>
-              <a:schemeClr val="accent4"/>
-            </a:solidFill>
-            <a:prstDash val="dash"/>
-            <a:round/>
-          </a:ln>
-          <a:effectLst/>
-          <a:sp3d/>
-        </p:spPr>
-        <p:style>
-          <a:lnRef idx="0">
-            <a:scrgbClr r="0" g="0" b="0"/>
-          </a:lnRef>
-          <a:fillRef idx="0">
-            <a:scrgbClr r="0" g="0" b="0"/>
-          </a:fillRef>
-          <a:effectRef idx="0">
-            <a:scrgbClr r="0" g="0" b="0"/>
-          </a:effectRef>
-          <a:fontRef idx="none"/>
-        </p:style>
-        <p:txBody>
-          <a:bodyPr rot="0" spcFirstLastPara="1" vertOverflow="overflow" horzOverflow="overflow" vert="horz" wrap="square" lIns="45719" tIns="45719" rIns="45719" bIns="45719" numCol="1" spcCol="38100" rtlCol="0" anchor="t">
-            <a:spAutoFit/>
-          </a:bodyPr>
-          <a:lstStyle/>
-          <a:p>
-            <a:pPr marL="108000" marR="0" indent="0" algn="l" defTabSz="914400" rtl="0" fontAlgn="auto" latinLnBrk="0" hangingPunct="0">
-              <a:buClrTx/>
-              <a:buSzTx/>
-              <a:buFontTx/>
-              <a:buNone/>
-              <a:tabLst/>
-            </a:pPr>
-            <a:r>
-              <a:rPr kumimoji="0" lang="de-DE" sz="1400" b="1" i="0" u="none" strike="noStrike" cap="none" spc="0" normalizeH="0" baseline="0" dirty="0">
-                <a:ln>
-                  <a:noFill/>
-                </a:ln>
-                <a:solidFill>
-                  <a:schemeClr val="accent4">
-                    <a:lumMod val="75000"/>
-                  </a:schemeClr>
-                </a:solidFill>
-                <a:effectLst/>
-                <a:uFillTx/>
-                <a:latin typeface="+mj-lt"/>
-                <a:ea typeface="+mj-ea"/>
-                <a:cs typeface="+mj-cs"/>
-                <a:sym typeface="Arial"/>
-              </a:rPr>
-              <a:t>2. </a:t>
-            </a:r>
-            <a:r>
-              <a:rPr kumimoji="0" lang="de-DE" sz="1400" b="1" i="0" u="none" strike="noStrike" cap="none" spc="0" normalizeH="0" baseline="0" dirty="0" err="1">
-                <a:ln>
-                  <a:noFill/>
-                </a:ln>
-                <a:solidFill>
-                  <a:schemeClr val="accent4">
-                    <a:lumMod val="75000"/>
-                  </a:schemeClr>
-                </a:solidFill>
-                <a:effectLst/>
-                <a:uFillTx/>
-                <a:latin typeface="+mj-lt"/>
-                <a:ea typeface="+mj-ea"/>
-                <a:cs typeface="+mj-cs"/>
-                <a:sym typeface="Arial"/>
-              </a:rPr>
-              <a:t>constants</a:t>
-            </a:r>
-            <a:endParaRPr kumimoji="0" lang="de-DE" sz="1400" b="1" i="0" u="none" strike="noStrike" cap="none" spc="0" normalizeH="0" baseline="0" dirty="0">
-              <a:ln>
-                <a:noFill/>
-              </a:ln>
-              <a:solidFill>
-                <a:schemeClr val="accent4">
-                  <a:lumMod val="75000"/>
-                </a:schemeClr>
-              </a:solidFill>
-              <a:effectLst/>
-              <a:uFillTx/>
-              <a:latin typeface="+mj-lt"/>
-              <a:ea typeface="+mj-ea"/>
-              <a:cs typeface="+mj-cs"/>
-              <a:sym typeface="Arial"/>
-            </a:endParaRPr>
-          </a:p>
-          <a:p>
-            <a:pPr marL="108000"/>
-            <a:r>
-              <a:rPr lang="de-DE" sz="1400" b="1" dirty="0">
-                <a:solidFill>
-                  <a:srgbClr val="002060"/>
-                </a:solidFill>
-                <a:latin typeface="Courier New" panose="02070309020205020404" pitchFamily="49" charset="0"/>
-                <a:cs typeface="Courier New" panose="02070309020205020404" pitchFamily="49" charset="0"/>
-              </a:rPr>
-              <a:t>DATA_DIR = "/</a:t>
-            </a:r>
-            <a:r>
-              <a:rPr lang="de-DE" sz="1400" b="1" dirty="0" err="1">
-                <a:solidFill>
-                  <a:srgbClr val="002060"/>
-                </a:solidFill>
-                <a:latin typeface="Courier New" panose="02070309020205020404" pitchFamily="49" charset="0"/>
-                <a:cs typeface="Courier New" panose="02070309020205020404" pitchFamily="49" charset="0"/>
-              </a:rPr>
-              <a:t>path</a:t>
-            </a:r>
-            <a:r>
-              <a:rPr lang="de-DE" sz="1400" b="1" dirty="0">
-                <a:solidFill>
-                  <a:srgbClr val="002060"/>
-                </a:solidFill>
-                <a:latin typeface="Courier New" panose="02070309020205020404" pitchFamily="49" charset="0"/>
-                <a:cs typeface="Courier New" panose="02070309020205020404" pitchFamily="49" charset="0"/>
-              </a:rPr>
-              <a:t>/</a:t>
-            </a:r>
-            <a:r>
-              <a:rPr lang="de-DE" sz="1400" b="1" dirty="0" err="1">
-                <a:solidFill>
-                  <a:srgbClr val="002060"/>
-                </a:solidFill>
-                <a:latin typeface="Courier New" panose="02070309020205020404" pitchFamily="49" charset="0"/>
-                <a:cs typeface="Courier New" panose="02070309020205020404" pitchFamily="49" charset="0"/>
-              </a:rPr>
-              <a:t>to</a:t>
-            </a:r>
-            <a:r>
-              <a:rPr lang="de-DE" sz="1400" b="1" dirty="0">
-                <a:solidFill>
-                  <a:srgbClr val="002060"/>
-                </a:solidFill>
-                <a:latin typeface="Courier New" panose="02070309020205020404" pitchFamily="49" charset="0"/>
-                <a:cs typeface="Courier New" panose="02070309020205020404" pitchFamily="49" charset="0"/>
-              </a:rPr>
-              <a:t>/</a:t>
-            </a:r>
-            <a:r>
-              <a:rPr lang="de-DE" sz="1400" b="1" dirty="0" err="1">
-                <a:solidFill>
-                  <a:srgbClr val="002060"/>
-                </a:solidFill>
-                <a:latin typeface="Courier New" panose="02070309020205020404" pitchFamily="49" charset="0"/>
-                <a:cs typeface="Courier New" panose="02070309020205020404" pitchFamily="49" charset="0"/>
-              </a:rPr>
-              <a:t>data</a:t>
-            </a:r>
-            <a:r>
-              <a:rPr lang="de-DE" sz="1400" b="1" dirty="0">
-                <a:solidFill>
-                  <a:srgbClr val="002060"/>
-                </a:solidFill>
-                <a:latin typeface="Courier New" panose="02070309020205020404" pitchFamily="49" charset="0"/>
-                <a:cs typeface="Courier New" panose="02070309020205020404" pitchFamily="49" charset="0"/>
-              </a:rPr>
-              <a:t>"</a:t>
-            </a:r>
-          </a:p>
-        </p:txBody>
-      </p:sp>
-      <p:sp>
-        <p:nvSpPr>
-          <p:cNvPr id="11" name="Rechteck 10">
-            <a:extLst>
-              <a:ext uri="{FF2B5EF4-FFF2-40B4-BE49-F238E27FC236}">
-                <a16:creationId xmlns:a16="http://schemas.microsoft.com/office/drawing/2014/main" id="{1EF35374-5094-C3BF-FA75-3C30B634C897}"/>
-              </a:ext>
-            </a:extLst>
-          </p:cNvPr>
-          <p:cNvSpPr/>
-          <p:nvPr/>
-        </p:nvSpPr>
-        <p:spPr>
-          <a:xfrm>
-            <a:off x="5104493" y="2956424"/>
-            <a:ext cx="3025083" cy="738662"/>
-          </a:xfrm>
-          <a:prstGeom prst="rect">
-            <a:avLst/>
-          </a:prstGeom>
-          <a:solidFill>
-            <a:srgbClr val="FFFFFF"/>
-          </a:solidFill>
-          <a:ln w="38100" cap="flat">
-            <a:solidFill>
-              <a:schemeClr val="accent5"/>
-            </a:solidFill>
-            <a:prstDash val="dash"/>
-            <a:round/>
-          </a:ln>
-          <a:effectLst/>
-          <a:sp3d/>
-        </p:spPr>
-        <p:style>
-          <a:lnRef idx="0">
-            <a:scrgbClr r="0" g="0" b="0"/>
-          </a:lnRef>
-          <a:fillRef idx="0">
-            <a:scrgbClr r="0" g="0" b="0"/>
-          </a:fillRef>
-          <a:effectRef idx="0">
-            <a:scrgbClr r="0" g="0" b="0"/>
-          </a:effectRef>
-          <a:fontRef idx="none"/>
-        </p:style>
-        <p:txBody>
-          <a:bodyPr rot="0" spcFirstLastPara="1" vertOverflow="overflow" horzOverflow="overflow" vert="horz" wrap="square" lIns="45719" tIns="45719" rIns="45719" bIns="45719" numCol="1" spcCol="38100" rtlCol="0" anchor="t">
-            <a:spAutoFit/>
-          </a:bodyPr>
-          <a:lstStyle/>
-          <a:p>
-            <a:pPr marL="108000" marR="0" indent="0" algn="l" defTabSz="914400" rtl="0" fontAlgn="auto" latinLnBrk="0" hangingPunct="0">
-              <a:buClrTx/>
-              <a:buSzTx/>
-              <a:buFontTx/>
-              <a:buNone/>
-              <a:tabLst/>
-            </a:pPr>
-            <a:r>
-              <a:rPr lang="de-DE" b="1" dirty="0">
-                <a:solidFill>
-                  <a:schemeClr val="accent5"/>
-                </a:solidFill>
-              </a:rPr>
-              <a:t>3</a:t>
-            </a:r>
-            <a:r>
-              <a:rPr kumimoji="0" lang="de-DE" sz="1400" b="1" i="0" u="none" strike="noStrike" cap="none" spc="0" normalizeH="0" baseline="0" dirty="0">
-                <a:ln>
-                  <a:noFill/>
-                </a:ln>
-                <a:solidFill>
-                  <a:schemeClr val="accent5"/>
-                </a:solidFill>
-                <a:effectLst/>
-                <a:uFillTx/>
-                <a:latin typeface="+mj-lt"/>
-                <a:ea typeface="+mj-ea"/>
-                <a:cs typeface="+mj-cs"/>
-                <a:sym typeface="Arial"/>
-              </a:rPr>
-              <a:t>. </a:t>
-            </a:r>
-            <a:r>
-              <a:rPr kumimoji="0" lang="de-DE" sz="1400" b="1" i="0" u="none" strike="noStrike" cap="none" spc="0" normalizeH="0" baseline="0" dirty="0" err="1">
-                <a:ln>
-                  <a:noFill/>
-                </a:ln>
-                <a:solidFill>
-                  <a:schemeClr val="accent5"/>
-                </a:solidFill>
-                <a:effectLst/>
-                <a:uFillTx/>
-                <a:latin typeface="+mj-lt"/>
-                <a:ea typeface="+mj-ea"/>
-                <a:cs typeface="+mj-cs"/>
-                <a:sym typeface="Arial"/>
-              </a:rPr>
-              <a:t>classes</a:t>
-            </a:r>
-            <a:r>
-              <a:rPr kumimoji="0" lang="de-DE" sz="1400" b="1" i="0" u="none" strike="noStrike" cap="none" spc="0" normalizeH="0" baseline="0" dirty="0">
-                <a:ln>
-                  <a:noFill/>
-                </a:ln>
-                <a:solidFill>
-                  <a:schemeClr val="accent5"/>
-                </a:solidFill>
-                <a:effectLst/>
-                <a:uFillTx/>
-                <a:latin typeface="+mj-lt"/>
-                <a:ea typeface="+mj-ea"/>
-                <a:cs typeface="+mj-cs"/>
-                <a:sym typeface="Arial"/>
-              </a:rPr>
-              <a:t> and </a:t>
-            </a:r>
-            <a:r>
-              <a:rPr kumimoji="0" lang="de-DE" sz="1400" b="1" i="0" u="none" strike="noStrike" cap="none" spc="0" normalizeH="0" baseline="0" dirty="0" err="1">
-                <a:ln>
-                  <a:noFill/>
-                </a:ln>
-                <a:solidFill>
-                  <a:schemeClr val="accent5"/>
-                </a:solidFill>
-                <a:effectLst/>
-                <a:uFillTx/>
-                <a:latin typeface="+mj-lt"/>
-                <a:ea typeface="+mj-ea"/>
-                <a:cs typeface="+mj-cs"/>
-                <a:sym typeface="Arial"/>
-              </a:rPr>
-              <a:t>functions</a:t>
-            </a:r>
-            <a:endParaRPr kumimoji="0" lang="de-DE" sz="1400" b="1" i="0" u="none" strike="noStrike" cap="none" spc="0" normalizeH="0" baseline="0" dirty="0">
-              <a:ln>
-                <a:noFill/>
-              </a:ln>
-              <a:solidFill>
-                <a:schemeClr val="accent5"/>
-              </a:solidFill>
-              <a:effectLst/>
-              <a:uFillTx/>
-              <a:latin typeface="+mj-lt"/>
-              <a:ea typeface="+mj-ea"/>
-              <a:cs typeface="+mj-cs"/>
-              <a:sym typeface="Arial"/>
-            </a:endParaRPr>
-          </a:p>
-          <a:p>
-            <a:pPr marL="108000"/>
-            <a:r>
-              <a:rPr lang="de-DE" b="1" dirty="0" err="1">
-                <a:solidFill>
-                  <a:srgbClr val="002060"/>
-                </a:solidFill>
-                <a:latin typeface="Courier New" panose="02070309020205020404" pitchFamily="49" charset="0"/>
-                <a:cs typeface="Courier New" panose="02070309020205020404" pitchFamily="49" charset="0"/>
-              </a:rPr>
-              <a:t>class</a:t>
-            </a:r>
-            <a:r>
-              <a:rPr lang="de-DE" b="1" dirty="0">
-                <a:solidFill>
-                  <a:srgbClr val="002060"/>
-                </a:solidFill>
-                <a:latin typeface="Courier New" panose="02070309020205020404" pitchFamily="49" charset="0"/>
-                <a:cs typeface="Courier New" panose="02070309020205020404" pitchFamily="49" charset="0"/>
-              </a:rPr>
-              <a:t> </a:t>
-            </a:r>
-            <a:r>
-              <a:rPr lang="de-DE" b="1" dirty="0" err="1">
-                <a:solidFill>
-                  <a:srgbClr val="002060"/>
-                </a:solidFill>
-                <a:latin typeface="Courier New" panose="02070309020205020404" pitchFamily="49" charset="0"/>
-                <a:cs typeface="Courier New" panose="02070309020205020404" pitchFamily="49" charset="0"/>
-              </a:rPr>
-              <a:t>ClassName</a:t>
-            </a:r>
-            <a:r>
-              <a:rPr lang="de-DE" b="1" dirty="0">
-                <a:solidFill>
-                  <a:srgbClr val="002060"/>
-                </a:solidFill>
-                <a:latin typeface="Courier New" panose="02070309020205020404" pitchFamily="49" charset="0"/>
-                <a:cs typeface="Courier New" panose="02070309020205020404" pitchFamily="49" charset="0"/>
-              </a:rPr>
-              <a:t>:</a:t>
-            </a:r>
-          </a:p>
-          <a:p>
-            <a:pPr marL="108000"/>
-            <a:r>
-              <a:rPr lang="de-DE" sz="1400" b="1" dirty="0" err="1">
-                <a:solidFill>
-                  <a:srgbClr val="002060"/>
-                </a:solidFill>
-                <a:latin typeface="Courier New" panose="02070309020205020404" pitchFamily="49" charset="0"/>
-                <a:cs typeface="Courier New" panose="02070309020205020404" pitchFamily="49" charset="0"/>
-              </a:rPr>
-              <a:t>def</a:t>
-            </a:r>
-            <a:r>
-              <a:rPr lang="de-DE" sz="1400" b="1" dirty="0">
-                <a:solidFill>
-                  <a:srgbClr val="002060"/>
-                </a:solidFill>
-                <a:latin typeface="Courier New" panose="02070309020205020404" pitchFamily="49" charset="0"/>
-                <a:cs typeface="Courier New" panose="02070309020205020404" pitchFamily="49" charset="0"/>
-              </a:rPr>
-              <a:t> </a:t>
-            </a:r>
-            <a:r>
-              <a:rPr lang="de-DE" sz="1400" b="1" dirty="0" err="1">
-                <a:solidFill>
-                  <a:srgbClr val="002060"/>
-                </a:solidFill>
-                <a:latin typeface="Courier New" panose="02070309020205020404" pitchFamily="49" charset="0"/>
-                <a:cs typeface="Courier New" panose="02070309020205020404" pitchFamily="49" charset="0"/>
-              </a:rPr>
-              <a:t>func_name</a:t>
-            </a:r>
-            <a:r>
-              <a:rPr lang="de-DE" sz="1400" b="1" dirty="0">
-                <a:solidFill>
-                  <a:srgbClr val="002060"/>
-                </a:solidFill>
-                <a:latin typeface="Courier New" panose="02070309020205020404" pitchFamily="49" charset="0"/>
-                <a:cs typeface="Courier New" panose="02070309020205020404" pitchFamily="49" charset="0"/>
-              </a:rPr>
-              <a:t>():</a:t>
-            </a:r>
-          </a:p>
-        </p:txBody>
-      </p:sp>
-      <p:sp>
-        <p:nvSpPr>
-          <p:cNvPr id="15" name="Rechteck 14">
-            <a:extLst>
-              <a:ext uri="{FF2B5EF4-FFF2-40B4-BE49-F238E27FC236}">
-                <a16:creationId xmlns:a16="http://schemas.microsoft.com/office/drawing/2014/main" id="{A2012965-BEE6-6F49-4154-B08B7C72768E}"/>
-              </a:ext>
-            </a:extLst>
-          </p:cNvPr>
-          <p:cNvSpPr/>
-          <p:nvPr/>
-        </p:nvSpPr>
-        <p:spPr>
-          <a:xfrm>
-            <a:off x="5104493" y="4035892"/>
-            <a:ext cx="3025083" cy="523218"/>
-          </a:xfrm>
-          <a:prstGeom prst="rect">
-            <a:avLst/>
-          </a:prstGeom>
-          <a:solidFill>
-            <a:srgbClr val="FFFFFF"/>
-          </a:solidFill>
-          <a:ln w="38100" cap="flat">
-            <a:solidFill>
-              <a:srgbClr val="ED72D9"/>
-            </a:solidFill>
-            <a:prstDash val="dash"/>
-            <a:round/>
-          </a:ln>
-          <a:effectLst/>
-          <a:sp3d/>
-        </p:spPr>
-        <p:style>
-          <a:lnRef idx="0">
-            <a:scrgbClr r="0" g="0" b="0"/>
-          </a:lnRef>
-          <a:fillRef idx="0">
-            <a:scrgbClr r="0" g="0" b="0"/>
-          </a:fillRef>
-          <a:effectRef idx="0">
-            <a:scrgbClr r="0" g="0" b="0"/>
-          </a:effectRef>
-          <a:fontRef idx="none"/>
-        </p:style>
-        <p:txBody>
-          <a:bodyPr rot="0" spcFirstLastPara="1" vertOverflow="overflow" horzOverflow="overflow" vert="horz" wrap="square" lIns="45719" tIns="45719" rIns="45719" bIns="45719" numCol="1" spcCol="38100" rtlCol="0" anchor="t">
-            <a:spAutoFit/>
-          </a:bodyPr>
-          <a:lstStyle/>
-          <a:p>
-            <a:pPr marL="108000" marR="0" indent="0" algn="l" defTabSz="914400" rtl="0" fontAlgn="auto" latinLnBrk="0" hangingPunct="0">
-              <a:buClrTx/>
-              <a:buSzTx/>
-              <a:buFontTx/>
-              <a:buNone/>
-              <a:tabLst/>
-            </a:pPr>
-            <a:r>
-              <a:rPr lang="de-DE" b="1" dirty="0">
-                <a:solidFill>
-                  <a:srgbClr val="ED72D9"/>
-                </a:solidFill>
-              </a:rPr>
-              <a:t>4. </a:t>
-            </a:r>
-            <a:r>
-              <a:rPr lang="de-DE" b="1" dirty="0" err="1">
-                <a:solidFill>
-                  <a:srgbClr val="ED72D9"/>
-                </a:solidFill>
-              </a:rPr>
-              <a:t>main</a:t>
-            </a:r>
-            <a:r>
-              <a:rPr lang="de-DE" b="1" dirty="0">
-                <a:solidFill>
-                  <a:srgbClr val="ED72D9"/>
-                </a:solidFill>
-              </a:rPr>
-              <a:t> </a:t>
-            </a:r>
-            <a:r>
-              <a:rPr lang="de-DE" b="1" dirty="0" err="1">
-                <a:solidFill>
-                  <a:srgbClr val="ED72D9"/>
-                </a:solidFill>
-              </a:rPr>
-              <a:t>execution</a:t>
-            </a:r>
-            <a:r>
-              <a:rPr lang="de-DE" b="1" dirty="0">
-                <a:solidFill>
-                  <a:srgbClr val="ED72D9"/>
-                </a:solidFill>
-              </a:rPr>
-              <a:t> block</a:t>
-            </a:r>
-            <a:endParaRPr kumimoji="0" lang="de-DE" sz="1400" b="1" i="0" u="none" strike="noStrike" cap="none" spc="0" normalizeH="0" baseline="0" dirty="0">
-              <a:ln>
-                <a:noFill/>
-              </a:ln>
-              <a:solidFill>
-                <a:srgbClr val="ED72D9"/>
-              </a:solidFill>
-              <a:effectLst/>
-              <a:uFillTx/>
-              <a:latin typeface="+mj-lt"/>
-              <a:ea typeface="+mj-ea"/>
-              <a:cs typeface="+mj-cs"/>
-              <a:sym typeface="Arial"/>
-            </a:endParaRPr>
-          </a:p>
-          <a:p>
-            <a:pPr marL="108000"/>
-            <a:r>
-              <a:rPr lang="de-DE" sz="1400" b="1" dirty="0" err="1">
-                <a:solidFill>
-                  <a:srgbClr val="002060"/>
-                </a:solidFill>
-                <a:latin typeface="Courier New" panose="02070309020205020404" pitchFamily="49" charset="0"/>
-                <a:cs typeface="Courier New" panose="02070309020205020404" pitchFamily="49" charset="0"/>
-              </a:rPr>
-              <a:t>if</a:t>
-            </a:r>
-            <a:r>
-              <a:rPr lang="de-DE" sz="1400" b="1" dirty="0">
-                <a:solidFill>
-                  <a:srgbClr val="002060"/>
-                </a:solidFill>
-                <a:latin typeface="Courier New" panose="02070309020205020404" pitchFamily="49" charset="0"/>
-                <a:cs typeface="Courier New" panose="02070309020205020404" pitchFamily="49" charset="0"/>
-              </a:rPr>
-              <a:t> __</a:t>
-            </a:r>
-            <a:r>
-              <a:rPr lang="de-DE" sz="1400" b="1" dirty="0" err="1">
-                <a:solidFill>
-                  <a:srgbClr val="002060"/>
-                </a:solidFill>
-                <a:latin typeface="Courier New" panose="02070309020205020404" pitchFamily="49" charset="0"/>
-                <a:cs typeface="Courier New" panose="02070309020205020404" pitchFamily="49" charset="0"/>
-              </a:rPr>
-              <a:t>name</a:t>
-            </a:r>
-            <a:r>
-              <a:rPr lang="de-DE" sz="1400" b="1" dirty="0">
-                <a:solidFill>
-                  <a:srgbClr val="002060"/>
-                </a:solidFill>
-                <a:latin typeface="Courier New" panose="02070309020205020404" pitchFamily="49" charset="0"/>
-                <a:cs typeface="Courier New" panose="02070309020205020404" pitchFamily="49" charset="0"/>
-              </a:rPr>
-              <a:t>__ == "__</a:t>
-            </a:r>
-            <a:r>
-              <a:rPr lang="de-DE" sz="1400" b="1" dirty="0" err="1">
-                <a:solidFill>
-                  <a:srgbClr val="002060"/>
-                </a:solidFill>
-                <a:latin typeface="Courier New" panose="02070309020205020404" pitchFamily="49" charset="0"/>
-                <a:cs typeface="Courier New" panose="02070309020205020404" pitchFamily="49" charset="0"/>
-              </a:rPr>
-              <a:t>main</a:t>
-            </a:r>
-            <a:r>
-              <a:rPr lang="de-DE" sz="1400" b="1" dirty="0">
-                <a:solidFill>
-                  <a:srgbClr val="002060"/>
-                </a:solidFill>
-                <a:latin typeface="Courier New" panose="02070309020205020404" pitchFamily="49" charset="0"/>
-                <a:cs typeface="Courier New" panose="02070309020205020404" pitchFamily="49" charset="0"/>
-              </a:rPr>
-              <a:t>__":</a:t>
-            </a:r>
-          </a:p>
-        </p:txBody>
-      </p:sp>
-    </p:spTree>
-    <p:extLst>
-      <p:ext uri="{BB962C8B-B14F-4D97-AF65-F5344CB8AC3E}">
-        <p14:creationId xmlns:p14="http://schemas.microsoft.com/office/powerpoint/2010/main" val="3768551624"/>
-      </p:ext>
-    </p:extLst>
-  </p:cSld>
-  <p:clrMapOvr>
-    <a:masterClrMapping/>
-  </p:clrMapOvr>
-  <p:transition spd="med"/>
-</p:sld>
-</file>
-
-<file path=ppt/slides/slide11.xml><?xml version="1.0" encoding="utf-8"?>
-<p:sld xmlns:a="http://schemas.openxmlformats.org/drawingml/2006/main" xmlns:r="http://schemas.openxmlformats.org/officeDocument/2006/relationships" xmlns:p="http://schemas.openxmlformats.org/presentationml/2006/main">
-  <p:cSld>
-    <p:spTree>
-      <p:nvGrpSpPr>
         <p:cNvPr id="1" name=""/>
         <p:cNvGrpSpPr/>
         <p:nvPr/>
@@ -6484,7 +5482,7 @@
           <a:p>
             <a:fld id="{86CB4B4D-7CA3-9044-876B-883B54F8677D}" type="slidenum">
               <a:rPr/>
-              <a:t>11</a:t>
+              <a:t>10</a:t>
             </a:fld>
             <a:endParaRPr/>
           </a:p>
@@ -6563,7 +5561,7 @@
           <a:p>
             <a:fld id="{86CB4B4D-7CA3-9044-876B-883B54F8677D}" type="slidenum">
               <a:rPr/>
-              <a:t>11</a:t>
+              <a:t>10</a:t>
             </a:fld>
             <a:endParaRPr/>
           </a:p>
@@ -7850,7 +6848,7 @@
 </p:sld>
 </file>
 
-<file path=ppt/slides/slide12.xml><?xml version="1.0" encoding="utf-8"?>
+<file path=ppt/slides/slide11.xml><?xml version="1.0" encoding="utf-8"?>
 <p:sld xmlns:a="http://schemas.openxmlformats.org/drawingml/2006/main" xmlns:r="http://schemas.openxmlformats.org/officeDocument/2006/relationships" xmlns:p="http://schemas.openxmlformats.org/presentationml/2006/main">
   <p:cSld>
     <p:spTree>
@@ -7958,7 +6956,7 @@
           <a:p>
             <a:fld id="{86CB4B4D-7CA3-9044-876B-883B54F8677D}" type="slidenum">
               <a:rPr/>
-              <a:t>12</a:t>
+              <a:t>11</a:t>
             </a:fld>
             <a:endParaRPr/>
           </a:p>
@@ -8065,7 +7063,7 @@
 </p:sld>
 </file>
 
-<file path=ppt/slides/slide13.xml><?xml version="1.0" encoding="utf-8"?>
+<file path=ppt/slides/slide12.xml><?xml version="1.0" encoding="utf-8"?>
 <p:sld xmlns:a="http://schemas.openxmlformats.org/drawingml/2006/main" xmlns:r="http://schemas.openxmlformats.org/officeDocument/2006/relationships" xmlns:p="http://schemas.openxmlformats.org/presentationml/2006/main">
   <p:cSld>
     <p:spTree>
@@ -8138,7 +7136,7 @@
 </p:sld>
 </file>
 
-<file path=ppt/slides/slide14.xml><?xml version="1.0" encoding="utf-8"?>
+<file path=ppt/slides/slide13.xml><?xml version="1.0" encoding="utf-8"?>
 <p:sld xmlns:a="http://schemas.openxmlformats.org/drawingml/2006/main" xmlns:r="http://schemas.openxmlformats.org/officeDocument/2006/relationships" xmlns:p="http://schemas.openxmlformats.org/presentationml/2006/main">
   <p:cSld>
     <p:spTree>
@@ -9490,8 +8488,20 @@
             </a:pPr>
             <a:r>
               <a:rPr dirty="0"/>
-              <a:t>e.g. wardrobe</a:t>
-            </a:r>
+              <a:t>e.g. </a:t>
+            </a:r>
+            <a:r>
+              <a:rPr lang="en-US" dirty="0"/>
+              <a:t>kitchen</a:t>
+            </a:r>
+            <a:br>
+              <a:rPr lang="en-US" dirty="0"/>
+            </a:br>
+            <a:r>
+              <a:rPr lang="en-US" dirty="0"/>
+              <a:t>where would you look for</a:t>
+            </a:r>
+            <a:endParaRPr dirty="0"/>
           </a:p>
           <a:p>
             <a:pPr marL="850370" lvl="1" indent="-330699" defTabSz="850391">
@@ -9502,9 +8512,10 @@
               <a:defRPr sz="1860"/>
             </a:pPr>
             <a:r>
-              <a:rPr dirty="0"/>
-              <a:t>suit, shirts</a:t>
-            </a:r>
+              <a:rPr lang="en-US" dirty="0"/>
+              <a:t>cutlery</a:t>
+            </a:r>
+            <a:endParaRPr dirty="0"/>
           </a:p>
           <a:p>
             <a:pPr marL="850370" lvl="1" indent="-330699" defTabSz="850391">
@@ -9515,9 +8526,10 @@
               <a:defRPr sz="1860"/>
             </a:pPr>
             <a:r>
-              <a:rPr dirty="0"/>
-              <a:t>towels</a:t>
-            </a:r>
+              <a:rPr lang="en-US" dirty="0"/>
+              <a:t>pots</a:t>
+            </a:r>
+            <a:endParaRPr dirty="0"/>
           </a:p>
           <a:p>
             <a:pPr marL="850370" lvl="1" indent="-330699" defTabSz="850391">
@@ -9528,9 +8540,10 @@
               <a:defRPr sz="1860"/>
             </a:pPr>
             <a:r>
-              <a:rPr dirty="0"/>
-              <a:t>socks</a:t>
-            </a:r>
+              <a:rPr lang="en-US" dirty="0"/>
+              <a:t>cleaning products</a:t>
+            </a:r>
+            <a:endParaRPr dirty="0"/>
           </a:p>
           <a:p>
             <a:pPr marL="0" indent="0" defTabSz="850391">
@@ -9679,7 +8692,891 @@
       </p:sp>
       <p:pic>
         <p:nvPicPr>
-          <p:cNvPr id="772" name="Picture 2" descr="Picture 2"/>
+          <p:cNvPr id="1026" name="Picture 2" descr="nobilia elements Küchen Planung 04 | Schiefergrau - snabbroom">
+            <a:extLst>
+              <a:ext uri="{FF2B5EF4-FFF2-40B4-BE49-F238E27FC236}">
+                <a16:creationId xmlns:a16="http://schemas.microsoft.com/office/drawing/2014/main" id="{7B8C91D6-23EE-0480-69F8-539E8CEAA0DE}"/>
+              </a:ext>
+            </a:extLst>
+          </p:cNvPr>
+          <p:cNvPicPr>
+            <a:picLocks noChangeAspect="1" noChangeArrowheads="1"/>
+          </p:cNvPicPr>
+          <p:nvPr/>
+        </p:nvPicPr>
+        <p:blipFill rotWithShape="1">
+          <a:blip r:embed="rId3">
+            <a:extLst>
+              <a:ext uri="{28A0092B-C50C-407E-A947-70E740481C1C}">
+                <a14:useLocalDpi xmlns:a14="http://schemas.microsoft.com/office/drawing/2010/main" val="0"/>
+              </a:ext>
+            </a:extLst>
+          </a:blip>
+          <a:srcRect l="9604" t="-1" r="13868" b="1380"/>
+          <a:stretch>
+            <a:fillRect/>
+          </a:stretch>
+        </p:blipFill>
+        <p:spPr bwMode="auto">
+          <a:xfrm>
+            <a:off x="4436398" y="757482"/>
+            <a:ext cx="4239251" cy="3628535"/>
+          </a:xfrm>
+          <a:prstGeom prst="rect">
+            <a:avLst/>
+          </a:prstGeom>
+          <a:noFill/>
+          <a:extLst>
+            <a:ext uri="{909E8E84-426E-40DD-AFC4-6F175D3DCCD1}">
+              <a14:hiddenFill xmlns:a14="http://schemas.microsoft.com/office/drawing/2010/main">
+                <a:solidFill>
+                  <a:srgbClr val="FFFFFF"/>
+                </a:solidFill>
+              </a14:hiddenFill>
+            </a:ext>
+          </a:extLst>
+        </p:spPr>
+      </p:pic>
+    </p:spTree>
+  </p:cSld>
+  <p:clrMapOvr>
+    <a:masterClrMapping/>
+  </p:clrMapOvr>
+  <p:transition spd="med"/>
+  <p:timing>
+    <p:tnLst>
+      <p:par>
+        <p:cTn id="1" dur="indefinite" restart="never" nodeType="tmRoot">
+          <p:childTnLst>
+            <p:seq concurrent="1" nextAc="seek">
+              <p:cTn id="2" dur="indefinite" nodeType="mainSeq">
+                <p:childTnLst>
+                  <p:par>
+                    <p:cTn id="3" fill="hold">
+                      <p:stCondLst>
+                        <p:cond delay="indefinite"/>
+                      </p:stCondLst>
+                      <p:childTnLst>
+                        <p:par>
+                          <p:cTn id="4" fill="hold">
+                            <p:stCondLst>
+                              <p:cond delay="0"/>
+                            </p:stCondLst>
+                            <p:childTnLst>
+                              <p:par>
+                                <p:cTn id="5" presetID="1" presetClass="entr" presetSubtype="0" fill="hold" grpId="0" nodeType="clickEffect">
+                                  <p:stCondLst>
+                                    <p:cond delay="0"/>
+                                  </p:stCondLst>
+                                  <p:childTnLst>
+                                    <p:set>
+                                      <p:cBhvr>
+                                        <p:cTn id="6" dur="1" fill="hold">
+                                          <p:stCondLst>
+                                            <p:cond delay="0"/>
+                                          </p:stCondLst>
+                                        </p:cTn>
+                                        <p:tgtEl>
+                                          <p:spTgt spid="770">
+                                            <p:bg/>
+                                          </p:spTgt>
+                                        </p:tgtEl>
+                                        <p:attrNameLst>
+                                          <p:attrName>style.visibility</p:attrName>
+                                        </p:attrNameLst>
+                                      </p:cBhvr>
+                                      <p:to>
+                                        <p:strVal val="visible"/>
+                                      </p:to>
+                                    </p:set>
+                                  </p:childTnLst>
+                                </p:cTn>
+                              </p:par>
+                              <p:par>
+                                <p:cTn id="7" presetID="1" presetClass="entr" presetSubtype="0" fill="hold" grpId="0" nodeType="withEffect">
+                                  <p:stCondLst>
+                                    <p:cond delay="0"/>
+                                  </p:stCondLst>
+                                  <p:childTnLst>
+                                    <p:set>
+                                      <p:cBhvr>
+                                        <p:cTn id="8" dur="1" fill="hold">
+                                          <p:stCondLst>
+                                            <p:cond delay="0"/>
+                                          </p:stCondLst>
+                                        </p:cTn>
+                                        <p:tgtEl>
+                                          <p:spTgt spid="770">
+                                            <p:txEl>
+                                              <p:pRg st="0" end="0"/>
+                                            </p:txEl>
+                                          </p:spTgt>
+                                        </p:tgtEl>
+                                        <p:attrNameLst>
+                                          <p:attrName>style.visibility</p:attrName>
+                                        </p:attrNameLst>
+                                      </p:cBhvr>
+                                      <p:to>
+                                        <p:strVal val="visible"/>
+                                      </p:to>
+                                    </p:set>
+                                  </p:childTnLst>
+                                </p:cTn>
+                              </p:par>
+                              <p:par>
+                                <p:cTn id="9" presetID="1" presetClass="entr" presetSubtype="0" fill="hold" grpId="0" nodeType="withEffect">
+                                  <p:stCondLst>
+                                    <p:cond delay="0"/>
+                                  </p:stCondLst>
+                                  <p:childTnLst>
+                                    <p:set>
+                                      <p:cBhvr>
+                                        <p:cTn id="10" dur="1" fill="hold">
+                                          <p:stCondLst>
+                                            <p:cond delay="0"/>
+                                          </p:stCondLst>
+                                        </p:cTn>
+                                        <p:tgtEl>
+                                          <p:spTgt spid="770">
+                                            <p:txEl>
+                                              <p:pRg st="1" end="1"/>
+                                            </p:txEl>
+                                          </p:spTgt>
+                                        </p:tgtEl>
+                                        <p:attrNameLst>
+                                          <p:attrName>style.visibility</p:attrName>
+                                        </p:attrNameLst>
+                                      </p:cBhvr>
+                                      <p:to>
+                                        <p:strVal val="visible"/>
+                                      </p:to>
+                                    </p:set>
+                                  </p:childTnLst>
+                                </p:cTn>
+                              </p:par>
+                              <p:par>
+                                <p:cTn id="11" presetID="1" presetClass="entr" presetSubtype="0" fill="hold" grpId="0" nodeType="withEffect">
+                                  <p:stCondLst>
+                                    <p:cond delay="0"/>
+                                  </p:stCondLst>
+                                  <p:childTnLst>
+                                    <p:set>
+                                      <p:cBhvr>
+                                        <p:cTn id="12" dur="1" fill="hold">
+                                          <p:stCondLst>
+                                            <p:cond delay="0"/>
+                                          </p:stCondLst>
+                                        </p:cTn>
+                                        <p:tgtEl>
+                                          <p:spTgt spid="770">
+                                            <p:txEl>
+                                              <p:pRg st="2" end="2"/>
+                                            </p:txEl>
+                                          </p:spTgt>
+                                        </p:tgtEl>
+                                        <p:attrNameLst>
+                                          <p:attrName>style.visibility</p:attrName>
+                                        </p:attrNameLst>
+                                      </p:cBhvr>
+                                      <p:to>
+                                        <p:strVal val="visible"/>
+                                      </p:to>
+                                    </p:set>
+                                  </p:childTnLst>
+                                </p:cTn>
+                              </p:par>
+                              <p:par>
+                                <p:cTn id="13" presetID="1" presetClass="entr" presetSubtype="0" fill="hold" grpId="0" nodeType="withEffect">
+                                  <p:stCondLst>
+                                    <p:cond delay="0"/>
+                                  </p:stCondLst>
+                                  <p:childTnLst>
+                                    <p:set>
+                                      <p:cBhvr>
+                                        <p:cTn id="14" dur="1" fill="hold">
+                                          <p:stCondLst>
+                                            <p:cond delay="0"/>
+                                          </p:stCondLst>
+                                        </p:cTn>
+                                        <p:tgtEl>
+                                          <p:spTgt spid="770">
+                                            <p:txEl>
+                                              <p:pRg st="3" end="3"/>
+                                            </p:txEl>
+                                          </p:spTgt>
+                                        </p:tgtEl>
+                                        <p:attrNameLst>
+                                          <p:attrName>style.visibility</p:attrName>
+                                        </p:attrNameLst>
+                                      </p:cBhvr>
+                                      <p:to>
+                                        <p:strVal val="visible"/>
+                                      </p:to>
+                                    </p:set>
+                                  </p:childTnLst>
+                                </p:cTn>
+                              </p:par>
+                              <p:par>
+                                <p:cTn id="15" presetID="1" presetClass="entr" presetSubtype="0" fill="hold" grpId="0" nodeType="withEffect">
+                                  <p:stCondLst>
+                                    <p:cond delay="0"/>
+                                  </p:stCondLst>
+                                  <p:childTnLst>
+                                    <p:set>
+                                      <p:cBhvr>
+                                        <p:cTn id="16" dur="1" fill="hold">
+                                          <p:stCondLst>
+                                            <p:cond delay="0"/>
+                                          </p:stCondLst>
+                                        </p:cTn>
+                                        <p:tgtEl>
+                                          <p:spTgt spid="770">
+                                            <p:txEl>
+                                              <p:pRg st="4" end="4"/>
+                                            </p:txEl>
+                                          </p:spTgt>
+                                        </p:tgtEl>
+                                        <p:attrNameLst>
+                                          <p:attrName>style.visibility</p:attrName>
+                                        </p:attrNameLst>
+                                      </p:cBhvr>
+                                      <p:to>
+                                        <p:strVal val="visible"/>
+                                      </p:to>
+                                    </p:set>
+                                  </p:childTnLst>
+                                </p:cTn>
+                              </p:par>
+                            </p:childTnLst>
+                          </p:cTn>
+                        </p:par>
+                      </p:childTnLst>
+                    </p:cTn>
+                  </p:par>
+                  <p:par>
+                    <p:cTn id="17" fill="hold">
+                      <p:stCondLst>
+                        <p:cond delay="indefinite"/>
+                      </p:stCondLst>
+                      <p:childTnLst>
+                        <p:par>
+                          <p:cTn id="18" fill="hold">
+                            <p:stCondLst>
+                              <p:cond delay="0"/>
+                            </p:stCondLst>
+                            <p:childTnLst>
+                              <p:par>
+                                <p:cTn id="19" presetID="1" presetClass="entr" presetSubtype="0" fill="hold" nodeType="clickEffect">
+                                  <p:stCondLst>
+                                    <p:cond delay="0"/>
+                                  </p:stCondLst>
+                                  <p:childTnLst>
+                                    <p:set>
+                                      <p:cBhvr>
+                                        <p:cTn id="20" dur="1" fill="hold">
+                                          <p:stCondLst>
+                                            <p:cond delay="0"/>
+                                          </p:stCondLst>
+                                        </p:cTn>
+                                        <p:tgtEl>
+                                          <p:spTgt spid="773"/>
+                                        </p:tgtEl>
+                                        <p:attrNameLst>
+                                          <p:attrName>style.visibility</p:attrName>
+                                        </p:attrNameLst>
+                                      </p:cBhvr>
+                                      <p:to>
+                                        <p:strVal val="visible"/>
+                                      </p:to>
+                                    </p:set>
+                                  </p:childTnLst>
+                                </p:cTn>
+                              </p:par>
+                            </p:childTnLst>
+                          </p:cTn>
+                        </p:par>
+                      </p:childTnLst>
+                    </p:cTn>
+                  </p:par>
+                  <p:par>
+                    <p:cTn id="21" fill="hold">
+                      <p:stCondLst>
+                        <p:cond delay="indefinite"/>
+                      </p:stCondLst>
+                      <p:childTnLst>
+                        <p:par>
+                          <p:cTn id="22" fill="hold">
+                            <p:stCondLst>
+                              <p:cond delay="0"/>
+                            </p:stCondLst>
+                            <p:childTnLst>
+                              <p:par>
+                                <p:cTn id="23" presetID="1" presetClass="entr" presetSubtype="0" fill="hold" grpId="0" nodeType="clickEffect">
+                                  <p:stCondLst>
+                                    <p:cond delay="0"/>
+                                  </p:stCondLst>
+                                  <p:childTnLst>
+                                    <p:set>
+                                      <p:cBhvr>
+                                        <p:cTn id="24" dur="1" fill="hold">
+                                          <p:stCondLst>
+                                            <p:cond delay="0"/>
+                                          </p:stCondLst>
+                                        </p:cTn>
+                                        <p:tgtEl>
+                                          <p:spTgt spid="770">
+                                            <p:txEl>
+                                              <p:pRg st="6" end="6"/>
+                                            </p:txEl>
+                                          </p:spTgt>
+                                        </p:tgtEl>
+                                        <p:attrNameLst>
+                                          <p:attrName>style.visibility</p:attrName>
+                                        </p:attrNameLst>
+                                      </p:cBhvr>
+                                      <p:to>
+                                        <p:strVal val="visible"/>
+                                      </p:to>
+                                    </p:set>
+                                  </p:childTnLst>
+                                </p:cTn>
+                              </p:par>
+                              <p:par>
+                                <p:cTn id="25" presetID="1" presetClass="entr" presetSubtype="0" fill="hold" grpId="0" nodeType="withEffect">
+                                  <p:stCondLst>
+                                    <p:cond delay="0"/>
+                                  </p:stCondLst>
+                                  <p:childTnLst>
+                                    <p:set>
+                                      <p:cBhvr>
+                                        <p:cTn id="26" dur="1" fill="hold">
+                                          <p:stCondLst>
+                                            <p:cond delay="0"/>
+                                          </p:stCondLst>
+                                        </p:cTn>
+                                        <p:tgtEl>
+                                          <p:spTgt spid="770">
+                                            <p:txEl>
+                                              <p:pRg st="7" end="7"/>
+                                            </p:txEl>
+                                          </p:spTgt>
+                                        </p:tgtEl>
+                                        <p:attrNameLst>
+                                          <p:attrName>style.visibility</p:attrName>
+                                        </p:attrNameLst>
+                                      </p:cBhvr>
+                                      <p:to>
+                                        <p:strVal val="visible"/>
+                                      </p:to>
+                                    </p:set>
+                                  </p:childTnLst>
+                                </p:cTn>
+                              </p:par>
+                              <p:par>
+                                <p:cTn id="27" presetID="1" presetClass="entr" presetSubtype="0" fill="hold" grpId="0" nodeType="withEffect">
+                                  <p:stCondLst>
+                                    <p:cond delay="0"/>
+                                  </p:stCondLst>
+                                  <p:childTnLst>
+                                    <p:set>
+                                      <p:cBhvr>
+                                        <p:cTn id="28" dur="1" fill="hold">
+                                          <p:stCondLst>
+                                            <p:cond delay="0"/>
+                                          </p:stCondLst>
+                                        </p:cTn>
+                                        <p:tgtEl>
+                                          <p:spTgt spid="770">
+                                            <p:txEl>
+                                              <p:pRg st="8" end="8"/>
+                                            </p:txEl>
+                                          </p:spTgt>
+                                        </p:tgtEl>
+                                        <p:attrNameLst>
+                                          <p:attrName>style.visibility</p:attrName>
+                                        </p:attrNameLst>
+                                      </p:cBhvr>
+                                      <p:to>
+                                        <p:strVal val="visible"/>
+                                      </p:to>
+                                    </p:set>
+                                  </p:childTnLst>
+                                </p:cTn>
+                              </p:par>
+                              <p:par>
+                                <p:cTn id="29" presetID="1" presetClass="entr" presetSubtype="0" fill="hold" grpId="0" nodeType="withEffect">
+                                  <p:stCondLst>
+                                    <p:cond delay="0"/>
+                                  </p:stCondLst>
+                                  <p:childTnLst>
+                                    <p:set>
+                                      <p:cBhvr>
+                                        <p:cTn id="30" dur="1" fill="hold">
+                                          <p:stCondLst>
+                                            <p:cond delay="0"/>
+                                          </p:stCondLst>
+                                        </p:cTn>
+                                        <p:tgtEl>
+                                          <p:spTgt spid="770">
+                                            <p:txEl>
+                                              <p:pRg st="9" end="9"/>
+                                            </p:txEl>
+                                          </p:spTgt>
+                                        </p:tgtEl>
+                                        <p:attrNameLst>
+                                          <p:attrName>style.visibility</p:attrName>
+                                        </p:attrNameLst>
+                                      </p:cBhvr>
+                                      <p:to>
+                                        <p:strVal val="visible"/>
+                                      </p:to>
+                                    </p:set>
+                                  </p:childTnLst>
+                                </p:cTn>
+                              </p:par>
+                            </p:childTnLst>
+                          </p:cTn>
+                        </p:par>
+                      </p:childTnLst>
+                    </p:cTn>
+                  </p:par>
+                </p:childTnLst>
+              </p:cTn>
+              <p:prevCondLst>
+                <p:cond evt="onPrev" delay="0">
+                  <p:tgtEl>
+                    <p:sldTgt/>
+                  </p:tgtEl>
+                </p:cond>
+              </p:prevCondLst>
+              <p:nextCondLst>
+                <p:cond evt="onNext" delay="0">
+                  <p:tgtEl>
+                    <p:sldTgt/>
+                  </p:tgtEl>
+                </p:cond>
+              </p:nextCondLst>
+            </p:seq>
+          </p:childTnLst>
+        </p:cTn>
+      </p:par>
+    </p:tnLst>
+    <p:bldLst>
+      <p:bldP spid="770" grpId="0" uiExpand="1" build="p" animBg="1"/>
+    </p:bldLst>
+  </p:timing>
+</p:sld>
+</file>
+
+<file path=ppt/slides/slide6.xml><?xml version="1.0" encoding="utf-8"?>
+<p:sld xmlns:a="http://schemas.openxmlformats.org/drawingml/2006/main" xmlns:r="http://schemas.openxmlformats.org/officeDocument/2006/relationships" xmlns:p="http://schemas.openxmlformats.org/presentationml/2006/main" show="0">
+  <p:cSld>
+    <p:spTree>
+      <p:nvGrpSpPr>
+        <p:cNvPr id="1" name="">
+          <a:extLst>
+            <a:ext uri="{FF2B5EF4-FFF2-40B4-BE49-F238E27FC236}">
+              <a16:creationId xmlns:a16="http://schemas.microsoft.com/office/drawing/2014/main" id="{37022EEC-3CFC-9655-87C9-98B33D4BE05B}"/>
+            </a:ext>
+          </a:extLst>
+        </p:cNvPr>
+        <p:cNvGrpSpPr/>
+        <p:nvPr/>
+      </p:nvGrpSpPr>
+      <p:grpSpPr>
+        <a:xfrm>
+          <a:off x="0" y="0"/>
+          <a:ext cx="0" cy="0"/>
+          <a:chOff x="0" y="0"/>
+          <a:chExt cx="0" cy="0"/>
+        </a:xfrm>
+      </p:grpSpPr>
+      <p:pic>
+        <p:nvPicPr>
+          <p:cNvPr id="773" name="12502671.jpg" descr="12502671.jpg">
+            <a:extLst>
+              <a:ext uri="{FF2B5EF4-FFF2-40B4-BE49-F238E27FC236}">
+                <a16:creationId xmlns:a16="http://schemas.microsoft.com/office/drawing/2014/main" id="{C41F072D-A42D-C4B3-518E-619F3CBBB16B}"/>
+              </a:ext>
+            </a:extLst>
+          </p:cNvPr>
+          <p:cNvPicPr>
+            <a:picLocks noChangeAspect="1"/>
+          </p:cNvPicPr>
+          <p:nvPr/>
+        </p:nvPicPr>
+        <p:blipFill>
+          <a:blip r:embed="rId2"/>
+          <a:srcRect l="17624"/>
+          <a:stretch>
+            <a:fillRect/>
+          </a:stretch>
+        </p:blipFill>
+        <p:spPr>
+          <a:xfrm>
+            <a:off x="3220121" y="3282585"/>
+            <a:ext cx="1089454" cy="1322553"/>
+          </a:xfrm>
+          <a:prstGeom prst="rect">
+            <a:avLst/>
+          </a:prstGeom>
+          <a:ln w="12700">
+            <a:miter lim="400000"/>
+          </a:ln>
+        </p:spPr>
+      </p:pic>
+      <p:sp>
+        <p:nvSpPr>
+          <p:cNvPr id="769" name="Title 1">
+            <a:extLst>
+              <a:ext uri="{FF2B5EF4-FFF2-40B4-BE49-F238E27FC236}">
+                <a16:creationId xmlns:a16="http://schemas.microsoft.com/office/drawing/2014/main" id="{85A0E82C-E31B-3488-92FD-ED6EF48C8DF3}"/>
+              </a:ext>
+            </a:extLst>
+          </p:cNvPr>
+          <p:cNvSpPr txBox="1">
+            <a:spLocks noGrp="1"/>
+          </p:cNvSpPr>
+          <p:nvPr>
+            <p:ph type="title"/>
+          </p:nvPr>
+        </p:nvSpPr>
+        <p:spPr>
+          <a:xfrm>
+            <a:off x="521547" y="0"/>
+            <a:ext cx="4258120" cy="912373"/>
+          </a:xfrm>
+          <a:prstGeom prst="rect">
+            <a:avLst/>
+          </a:prstGeom>
+          <a:solidFill>
+            <a:srgbClr val="FFFFFF"/>
+          </a:solidFill>
+        </p:spPr>
+        <p:txBody>
+          <a:bodyPr anchor="t">
+            <a:noAutofit/>
+          </a:bodyPr>
+          <a:lstStyle/>
+          <a:p>
+            <a:r>
+              <a:rPr lang="da-DK" sz="3200" dirty="0" err="1"/>
+              <a:t>Why</a:t>
+            </a:r>
+            <a:r>
+              <a:rPr lang="da-DK" sz="3200" dirty="0"/>
+              <a:t> </a:t>
+            </a:r>
+            <a:r>
+              <a:rPr lang="da-DK" sz="3200" dirty="0" err="1"/>
+              <a:t>you</a:t>
+            </a:r>
+            <a:r>
+              <a:rPr lang="da-DK" sz="3200" dirty="0"/>
+              <a:t> </a:t>
+            </a:r>
+            <a:r>
+              <a:rPr lang="da-DK" sz="3200" dirty="0" err="1"/>
+              <a:t>should</a:t>
+            </a:r>
+            <a:r>
+              <a:rPr lang="da-DK" sz="3200" dirty="0"/>
+              <a:t> </a:t>
+            </a:r>
+            <a:r>
+              <a:rPr lang="da-DK" sz="3200" dirty="0" err="1"/>
+              <a:t>care</a:t>
+            </a:r>
+            <a:endParaRPr sz="3200" dirty="0"/>
+          </a:p>
+        </p:txBody>
+      </p:sp>
+      <p:sp>
+        <p:nvSpPr>
+          <p:cNvPr id="770" name="Text Placeholder 2">
+            <a:extLst>
+              <a:ext uri="{FF2B5EF4-FFF2-40B4-BE49-F238E27FC236}">
+                <a16:creationId xmlns:a16="http://schemas.microsoft.com/office/drawing/2014/main" id="{96FECFB1-5763-231B-C919-F067F7574417}"/>
+              </a:ext>
+            </a:extLst>
+          </p:cNvPr>
+          <p:cNvSpPr txBox="1">
+            <a:spLocks noGrp="1"/>
+          </p:cNvSpPr>
+          <p:nvPr>
+            <p:ph type="body" sz="half" idx="1"/>
+          </p:nvPr>
+        </p:nvSpPr>
+        <p:spPr>
+          <a:xfrm>
+            <a:off x="869048" y="845033"/>
+            <a:ext cx="3363319" cy="3480427"/>
+          </a:xfrm>
+          <a:prstGeom prst="rect">
+            <a:avLst/>
+          </a:prstGeom>
+        </p:spPr>
+        <p:txBody>
+          <a:bodyPr>
+            <a:noAutofit/>
+          </a:bodyPr>
+          <a:lstStyle/>
+          <a:p>
+            <a:pPr marL="0" indent="0" defTabSz="850391">
+              <a:spcBef>
+                <a:spcPts val="500"/>
+              </a:spcBef>
+              <a:buClrTx/>
+              <a:buSzTx/>
+              <a:buFontTx/>
+              <a:buNone/>
+              <a:defRPr sz="1860"/>
+            </a:pPr>
+            <a:r>
+              <a:rPr dirty="0"/>
+              <a:t>—&gt; know where to find items</a:t>
+            </a:r>
+            <a:r>
+              <a:rPr lang="da-DK" dirty="0"/>
+              <a:t> in </a:t>
+            </a:r>
+            <a:r>
+              <a:rPr lang="da-DK" dirty="0" err="1"/>
+              <a:t>someone</a:t>
+            </a:r>
+            <a:r>
+              <a:rPr lang="da-DK" dirty="0"/>
+              <a:t> </a:t>
+            </a:r>
+            <a:r>
+              <a:rPr lang="da-DK" dirty="0" err="1"/>
+              <a:t>else’s</a:t>
+            </a:r>
+            <a:r>
+              <a:rPr lang="da-DK" dirty="0"/>
+              <a:t> </a:t>
+            </a:r>
+            <a:r>
+              <a:rPr lang="da-DK" dirty="0" err="1"/>
+              <a:t>code</a:t>
+            </a:r>
+            <a:endParaRPr dirty="0"/>
+          </a:p>
+          <a:p>
+            <a:pPr marL="0" indent="0" defTabSz="850391">
+              <a:spcBef>
+                <a:spcPts val="500"/>
+              </a:spcBef>
+              <a:buClrTx/>
+              <a:buSzTx/>
+              <a:buFontTx/>
+              <a:buNone/>
+              <a:defRPr sz="1860"/>
+            </a:pPr>
+            <a:r>
+              <a:rPr dirty="0"/>
+              <a:t>e.g. wardrobe</a:t>
+            </a:r>
+          </a:p>
+          <a:p>
+            <a:pPr marL="850370" lvl="1" indent="-330699" defTabSz="850391">
+              <a:spcBef>
+                <a:spcPts val="0"/>
+              </a:spcBef>
+              <a:buSzPts val="1800"/>
+              <a:defRPr sz="1860"/>
+            </a:pPr>
+            <a:r>
+              <a:rPr dirty="0"/>
+              <a:t>suit, shirts</a:t>
+            </a:r>
+          </a:p>
+          <a:p>
+            <a:pPr marL="850370" lvl="1" indent="-330699" defTabSz="850391">
+              <a:spcBef>
+                <a:spcPts val="0"/>
+              </a:spcBef>
+              <a:buSzPts val="1800"/>
+              <a:defRPr sz="1860"/>
+            </a:pPr>
+            <a:r>
+              <a:rPr dirty="0"/>
+              <a:t>towels</a:t>
+            </a:r>
+          </a:p>
+          <a:p>
+            <a:pPr marL="850370" lvl="1" indent="-330699" defTabSz="850391">
+              <a:spcBef>
+                <a:spcPts val="0"/>
+              </a:spcBef>
+              <a:buSzPts val="1800"/>
+              <a:defRPr sz="1860"/>
+            </a:pPr>
+            <a:r>
+              <a:rPr dirty="0"/>
+              <a:t>socks</a:t>
+            </a:r>
+          </a:p>
+          <a:p>
+            <a:pPr marL="0" indent="0" defTabSz="850391">
+              <a:spcBef>
+                <a:spcPts val="0"/>
+              </a:spcBef>
+              <a:buClrTx/>
+              <a:buSzTx/>
+              <a:buFontTx/>
+              <a:buNone/>
+              <a:defRPr sz="1860"/>
+            </a:pPr>
+            <a:endParaRPr dirty="0"/>
+          </a:p>
+          <a:p>
+            <a:pPr marL="0" indent="0" defTabSz="850391">
+              <a:spcBef>
+                <a:spcPts val="500"/>
+              </a:spcBef>
+              <a:buClrTx/>
+              <a:buSzTx/>
+              <a:buFontTx/>
+              <a:buNone/>
+              <a:defRPr sz="1860"/>
+            </a:pPr>
+            <a:r>
+              <a:rPr dirty="0"/>
+              <a:t>—&gt; </a:t>
+            </a:r>
+            <a:r>
+              <a:rPr lang="da-DK" dirty="0"/>
+              <a:t>science/</a:t>
+            </a:r>
+            <a:r>
+              <a:rPr lang="da-DK" dirty="0" err="1"/>
+              <a:t>engineering</a:t>
+            </a:r>
+            <a:r>
+              <a:rPr lang="da-DK" dirty="0"/>
+              <a:t> is</a:t>
+            </a:r>
+          </a:p>
+          <a:p>
+            <a:pPr marL="0" indent="0" defTabSz="850391">
+              <a:spcBef>
+                <a:spcPts val="500"/>
+              </a:spcBef>
+              <a:buClrTx/>
+              <a:buSzTx/>
+              <a:buFontTx/>
+              <a:buNone/>
+              <a:defRPr sz="1860"/>
+            </a:pPr>
+            <a:r>
+              <a:rPr lang="da-DK" dirty="0" err="1"/>
+              <a:t>collaborative</a:t>
+            </a:r>
+            <a:r>
+              <a:rPr lang="da-DK" dirty="0"/>
+              <a:t> problem</a:t>
+            </a:r>
+          </a:p>
+          <a:p>
+            <a:pPr marL="0" indent="0" defTabSz="850391">
+              <a:spcBef>
+                <a:spcPts val="500"/>
+              </a:spcBef>
+              <a:buClrTx/>
+              <a:buSzTx/>
+              <a:buFontTx/>
+              <a:buNone/>
+              <a:defRPr sz="1860"/>
+            </a:pPr>
+            <a:r>
+              <a:rPr lang="da-DK" dirty="0" err="1"/>
+              <a:t>solving</a:t>
+            </a:r>
+            <a:r>
+              <a:rPr lang="da-DK" dirty="0"/>
+              <a:t>. </a:t>
+            </a:r>
+            <a:r>
+              <a:rPr lang="da-DK" dirty="0" err="1"/>
+              <a:t>Facilitate</a:t>
+            </a:r>
+            <a:endParaRPr lang="da-DK" dirty="0"/>
+          </a:p>
+          <a:p>
+            <a:pPr marL="0" indent="0" defTabSz="850391">
+              <a:spcBef>
+                <a:spcPts val="500"/>
+              </a:spcBef>
+              <a:buClrTx/>
+              <a:buSzTx/>
+              <a:buFontTx/>
+              <a:buNone/>
+              <a:defRPr sz="1860"/>
+            </a:pPr>
+            <a:r>
+              <a:rPr lang="da-DK" dirty="0" err="1"/>
+              <a:t>collaboration</a:t>
+            </a:r>
+            <a:r>
+              <a:rPr lang="da-DK" dirty="0"/>
+              <a:t>.</a:t>
+            </a:r>
+            <a:endParaRPr dirty="0"/>
+          </a:p>
+        </p:txBody>
+      </p:sp>
+      <p:sp>
+        <p:nvSpPr>
+          <p:cNvPr id="771" name="Slide Number Placeholder 3">
+            <a:extLst>
+              <a:ext uri="{FF2B5EF4-FFF2-40B4-BE49-F238E27FC236}">
+                <a16:creationId xmlns:a16="http://schemas.microsoft.com/office/drawing/2014/main" id="{BAABABC8-C4C5-AE61-8A22-DB5656923B71}"/>
+              </a:ext>
+            </a:extLst>
+          </p:cNvPr>
+          <p:cNvSpPr txBox="1">
+            <a:spLocks noGrp="1"/>
+          </p:cNvSpPr>
+          <p:nvPr>
+            <p:ph type="sldNum" sz="quarter" idx="2"/>
+          </p:nvPr>
+        </p:nvSpPr>
+        <p:spPr>
+          <a:xfrm>
+            <a:off x="8317170" y="4384352"/>
+            <a:ext cx="391029" cy="411451"/>
+          </a:xfrm>
+          <a:prstGeom prst="rect">
+            <a:avLst/>
+          </a:prstGeom>
+          <a:extLst>
+            <a:ext uri="{C572A759-6A51-4108-AA02-DFA0A04FC94B}">
+              <ma14:wrappingTextBoxFlag xmlns:ma14="http://schemas.microsoft.com/office/mac/drawingml/2011/main" xmlns:a14="http://schemas.microsoft.com/office/drawing/2010/main" xmlns:m="http://schemas.openxmlformats.org/officeDocument/2006/math" xmlns="" val="1"/>
+            </a:ext>
+          </a:extLst>
+        </p:spPr>
+        <p:txBody>
+          <a:bodyPr/>
+          <a:lstStyle/>
+          <a:p>
+            <a:fld id="{86CB4B4D-7CA3-9044-876B-883B54F8677D}" type="slidenum">
+              <a:rPr/>
+              <a:t>6</a:t>
+            </a:fld>
+            <a:endParaRPr/>
+          </a:p>
+        </p:txBody>
+      </p:sp>
+      <p:pic>
+        <p:nvPicPr>
+          <p:cNvPr id="772" name="Picture 2" descr="Picture 2">
+            <a:extLst>
+              <a:ext uri="{FF2B5EF4-FFF2-40B4-BE49-F238E27FC236}">
+                <a16:creationId xmlns:a16="http://schemas.microsoft.com/office/drawing/2014/main" id="{72ADD545-1462-19F1-D50A-99CA0C6F85EE}"/>
+              </a:ext>
+            </a:extLst>
+          </p:cNvPr>
           <p:cNvPicPr>
             <a:picLocks noChangeAspect="1"/>
           </p:cNvPicPr>
@@ -9704,355 +9601,12 @@
           </a:ln>
         </p:spPr>
       </p:pic>
-      <p:sp>
-        <p:nvSpPr>
-          <p:cNvPr id="2" name="Oval 1">
-            <a:extLst>
-              <a:ext uri="{FF2B5EF4-FFF2-40B4-BE49-F238E27FC236}">
-                <a16:creationId xmlns:a16="http://schemas.microsoft.com/office/drawing/2014/main" id="{BF5F40AD-9FA9-6ABE-4CB5-A67C0F353DC4}"/>
-              </a:ext>
-            </a:extLst>
-          </p:cNvPr>
-          <p:cNvSpPr/>
-          <p:nvPr/>
-        </p:nvSpPr>
-        <p:spPr>
-          <a:xfrm>
-            <a:off x="8006576" y="-76107"/>
-            <a:ext cx="1338146" cy="1947562"/>
-          </a:xfrm>
-          <a:prstGeom prst="ellipse">
-            <a:avLst/>
-          </a:prstGeom>
-          <a:solidFill>
-            <a:srgbClr val="FF0000"/>
-          </a:solidFill>
-          <a:ln w="25400" cap="flat">
-            <a:solidFill>
-              <a:srgbClr val="FF0000"/>
-            </a:solidFill>
-            <a:prstDash val="solid"/>
-            <a:round/>
-          </a:ln>
-          <a:effectLst>
-            <a:outerShdw blurRad="38100" dist="23000" dir="5400000" rotWithShape="0">
-              <a:srgbClr val="000000">
-                <a:alpha val="35000"/>
-              </a:srgbClr>
-            </a:outerShdw>
-          </a:effectLst>
-          <a:sp3d/>
-        </p:spPr>
-        <p:style>
-          <a:lnRef idx="0">
-            <a:scrgbClr r="0" g="0" b="0"/>
-          </a:lnRef>
-          <a:fillRef idx="0">
-            <a:scrgbClr r="0" g="0" b="0"/>
-          </a:fillRef>
-          <a:effectRef idx="0">
-            <a:scrgbClr r="0" g="0" b="0"/>
-          </a:effectRef>
-          <a:fontRef idx="none"/>
-        </p:style>
-        <p:txBody>
-          <a:bodyPr rot="0" spcFirstLastPara="1" vertOverflow="overflow" horzOverflow="overflow" vert="horz" wrap="square" lIns="45719" tIns="45719" rIns="45719" bIns="45719" numCol="1" spcCol="38100" rtlCol="0" anchor="ctr">
-            <a:spAutoFit/>
-          </a:bodyPr>
-          <a:lstStyle/>
-          <a:p>
-            <a:pPr marL="0" marR="0" indent="0" algn="l" defTabSz="914400" rtl="0" fontAlgn="auto" latinLnBrk="0" hangingPunct="0">
-              <a:lnSpc>
-                <a:spcPct val="100000"/>
-              </a:lnSpc>
-              <a:spcBef>
-                <a:spcPts val="0"/>
-              </a:spcBef>
-              <a:spcAft>
-                <a:spcPts val="0"/>
-              </a:spcAft>
-              <a:buClrTx/>
-              <a:buSzTx/>
-              <a:buFontTx/>
-              <a:buNone/>
-              <a:tabLst/>
-            </a:pPr>
-            <a:r>
-              <a:rPr kumimoji="0" lang="de-DE" sz="1400" b="0" i="0" u="none" strike="noStrike" cap="none" spc="0" normalizeH="0" baseline="0" dirty="0" err="1">
-                <a:ln>
-                  <a:noFill/>
-                </a:ln>
-                <a:solidFill>
-                  <a:srgbClr val="000000"/>
-                </a:solidFill>
-                <a:effectLst/>
-                <a:uFillTx/>
-                <a:latin typeface="+mj-lt"/>
-                <a:ea typeface="+mj-ea"/>
-                <a:cs typeface="+mj-cs"/>
-                <a:sym typeface="Arial"/>
-              </a:rPr>
-              <a:t>maybe</a:t>
-            </a:r>
-            <a:r>
-              <a:rPr kumimoji="0" lang="de-DE" sz="1400" b="0" i="0" u="none" strike="noStrike" cap="none" spc="0" normalizeH="0" baseline="0" dirty="0">
-                <a:ln>
-                  <a:noFill/>
-                </a:ln>
-                <a:solidFill>
-                  <a:srgbClr val="000000"/>
-                </a:solidFill>
-                <a:effectLst/>
-                <a:uFillTx/>
-                <a:latin typeface="+mj-lt"/>
-                <a:ea typeface="+mj-ea"/>
-                <a:cs typeface="+mj-cs"/>
-                <a:sym typeface="Arial"/>
-              </a:rPr>
-              <a:t> </a:t>
-            </a:r>
-            <a:r>
-              <a:rPr kumimoji="0" lang="de-DE" sz="1400" b="0" i="0" u="none" strike="noStrike" cap="none" spc="0" normalizeH="0" baseline="0" dirty="0" err="1">
-                <a:ln>
-                  <a:noFill/>
-                </a:ln>
-                <a:solidFill>
-                  <a:srgbClr val="000000"/>
-                </a:solidFill>
-                <a:effectLst/>
-                <a:uFillTx/>
-                <a:latin typeface="+mj-lt"/>
-                <a:ea typeface="+mj-ea"/>
-                <a:cs typeface="+mj-cs"/>
-                <a:sym typeface="Arial"/>
-              </a:rPr>
-              <a:t>make</a:t>
-            </a:r>
-            <a:r>
-              <a:rPr kumimoji="0" lang="de-DE" sz="1400" b="0" i="0" u="none" strike="noStrike" cap="none" spc="0" normalizeH="0" baseline="0" dirty="0">
-                <a:ln>
-                  <a:noFill/>
-                </a:ln>
-                <a:solidFill>
-                  <a:srgbClr val="000000"/>
-                </a:solidFill>
-                <a:effectLst/>
-                <a:uFillTx/>
-                <a:latin typeface="+mj-lt"/>
-                <a:ea typeface="+mj-ea"/>
-                <a:cs typeface="+mj-cs"/>
-                <a:sym typeface="Arial"/>
-              </a:rPr>
-              <a:t> </a:t>
-            </a:r>
-            <a:r>
-              <a:rPr kumimoji="0" lang="de-DE" sz="1400" b="0" i="0" u="none" strike="noStrike" cap="none" spc="0" normalizeH="0" baseline="0" dirty="0" err="1">
-                <a:ln>
-                  <a:noFill/>
-                </a:ln>
-                <a:solidFill>
-                  <a:srgbClr val="000000"/>
-                </a:solidFill>
-                <a:effectLst/>
-                <a:uFillTx/>
-                <a:latin typeface="+mj-lt"/>
-                <a:ea typeface="+mj-ea"/>
-                <a:cs typeface="+mj-cs"/>
-                <a:sym typeface="Arial"/>
-              </a:rPr>
-              <a:t>analogy</a:t>
-            </a:r>
-            <a:r>
-              <a:rPr kumimoji="0" lang="de-DE" sz="1400" b="0" i="0" u="none" strike="noStrike" cap="none" spc="0" normalizeH="0" baseline="0" dirty="0">
-                <a:ln>
-                  <a:noFill/>
-                </a:ln>
-                <a:solidFill>
-                  <a:srgbClr val="000000"/>
-                </a:solidFill>
-                <a:effectLst/>
-                <a:uFillTx/>
-                <a:latin typeface="+mj-lt"/>
-                <a:ea typeface="+mj-ea"/>
-                <a:cs typeface="+mj-cs"/>
-                <a:sym typeface="Arial"/>
-              </a:rPr>
-              <a:t> </a:t>
-            </a:r>
-            <a:r>
-              <a:rPr kumimoji="0" lang="de-DE" sz="1400" b="0" i="0" u="none" strike="noStrike" cap="none" spc="0" normalizeH="0" baseline="0" dirty="0" err="1">
-                <a:ln>
-                  <a:noFill/>
-                </a:ln>
-                <a:solidFill>
-                  <a:srgbClr val="000000"/>
-                </a:solidFill>
-                <a:effectLst/>
-                <a:uFillTx/>
-                <a:latin typeface="+mj-lt"/>
-                <a:ea typeface="+mj-ea"/>
-                <a:cs typeface="+mj-cs"/>
-                <a:sym typeface="Arial"/>
-              </a:rPr>
-              <a:t>to</a:t>
-            </a:r>
-            <a:r>
-              <a:rPr kumimoji="0" lang="de-DE" sz="1400" b="0" i="0" u="none" strike="noStrike" cap="none" spc="0" normalizeH="0" baseline="0" dirty="0">
-                <a:ln>
-                  <a:noFill/>
-                </a:ln>
-                <a:solidFill>
-                  <a:srgbClr val="000000"/>
-                </a:solidFill>
-                <a:effectLst/>
-                <a:uFillTx/>
-                <a:latin typeface="+mj-lt"/>
-                <a:ea typeface="+mj-ea"/>
-                <a:cs typeface="+mj-cs"/>
-                <a:sym typeface="Arial"/>
-              </a:rPr>
-              <a:t> </a:t>
-            </a:r>
-            <a:r>
-              <a:rPr kumimoji="0" lang="de-DE" sz="1400" b="0" i="0" u="none" strike="noStrike" cap="none" spc="0" normalizeH="0" baseline="0" dirty="0" err="1">
-                <a:ln>
-                  <a:noFill/>
-                </a:ln>
-                <a:solidFill>
-                  <a:srgbClr val="000000"/>
-                </a:solidFill>
-                <a:effectLst/>
-                <a:uFillTx/>
-                <a:latin typeface="+mj-lt"/>
-                <a:ea typeface="+mj-ea"/>
-                <a:cs typeface="+mj-cs"/>
-                <a:sym typeface="Arial"/>
-              </a:rPr>
-              <a:t>kitchen</a:t>
-            </a:r>
-            <a:r>
-              <a:rPr kumimoji="0" lang="de-DE" sz="1400" b="0" i="0" u="none" strike="noStrike" cap="none" spc="0" normalizeH="0" baseline="0" dirty="0">
-                <a:ln>
-                  <a:noFill/>
-                </a:ln>
-                <a:solidFill>
-                  <a:srgbClr val="000000"/>
-                </a:solidFill>
-                <a:effectLst/>
-                <a:uFillTx/>
-                <a:latin typeface="+mj-lt"/>
-                <a:ea typeface="+mj-ea"/>
-                <a:cs typeface="+mj-cs"/>
-                <a:sym typeface="Arial"/>
-              </a:rPr>
-              <a:t> </a:t>
-            </a:r>
-            <a:r>
-              <a:rPr kumimoji="0" lang="de-DE" sz="1400" b="0" i="0" u="none" strike="noStrike" cap="none" spc="0" normalizeH="0" baseline="0" dirty="0" err="1">
-                <a:ln>
-                  <a:noFill/>
-                </a:ln>
-                <a:solidFill>
-                  <a:srgbClr val="000000"/>
-                </a:solidFill>
-                <a:effectLst/>
-                <a:uFillTx/>
-                <a:latin typeface="+mj-lt"/>
-                <a:ea typeface="+mj-ea"/>
-                <a:cs typeface="+mj-cs"/>
-                <a:sym typeface="Arial"/>
-              </a:rPr>
-              <a:t>instead</a:t>
-            </a:r>
-            <a:r>
-              <a:rPr kumimoji="0" lang="de-DE" sz="1400" b="0" i="0" u="none" strike="noStrike" cap="none" spc="0" normalizeH="0" baseline="0" dirty="0">
-                <a:ln>
-                  <a:noFill/>
-                </a:ln>
-                <a:solidFill>
-                  <a:srgbClr val="000000"/>
-                </a:solidFill>
-                <a:effectLst/>
-                <a:uFillTx/>
-                <a:latin typeface="+mj-lt"/>
-                <a:ea typeface="+mj-ea"/>
-                <a:cs typeface="+mj-cs"/>
-                <a:sym typeface="Arial"/>
-              </a:rPr>
-              <a:t> </a:t>
-            </a:r>
-            <a:r>
-              <a:rPr kumimoji="0" lang="de-DE" sz="1400" b="0" i="0" u="none" strike="noStrike" cap="none" spc="0" normalizeH="0" baseline="0" dirty="0" err="1">
-                <a:ln>
-                  <a:noFill/>
-                </a:ln>
-                <a:solidFill>
-                  <a:srgbClr val="000000"/>
-                </a:solidFill>
-                <a:effectLst/>
-                <a:uFillTx/>
-                <a:latin typeface="+mj-lt"/>
-                <a:ea typeface="+mj-ea"/>
-                <a:cs typeface="+mj-cs"/>
-                <a:sym typeface="Arial"/>
-              </a:rPr>
-              <a:t>of</a:t>
-            </a:r>
-            <a:r>
-              <a:rPr kumimoji="0" lang="de-DE" sz="1400" b="0" i="0" u="none" strike="noStrike" cap="none" spc="0" normalizeH="0" baseline="0" dirty="0">
-                <a:ln>
-                  <a:noFill/>
-                </a:ln>
-                <a:solidFill>
-                  <a:srgbClr val="000000"/>
-                </a:solidFill>
-                <a:effectLst/>
-                <a:uFillTx/>
-                <a:latin typeface="+mj-lt"/>
-                <a:ea typeface="+mj-ea"/>
-                <a:cs typeface="+mj-cs"/>
-                <a:sym typeface="Arial"/>
-              </a:rPr>
-              <a:t> </a:t>
-            </a:r>
-            <a:r>
-              <a:rPr kumimoji="0" lang="de-DE" sz="1400" b="0" i="0" u="none" strike="noStrike" cap="none" spc="0" normalizeH="0" baseline="0" dirty="0" err="1">
-                <a:ln>
-                  <a:noFill/>
-                </a:ln>
-                <a:solidFill>
-                  <a:srgbClr val="000000"/>
-                </a:solidFill>
-                <a:effectLst/>
-                <a:uFillTx/>
-                <a:latin typeface="+mj-lt"/>
-                <a:ea typeface="+mj-ea"/>
-                <a:cs typeface="+mj-cs"/>
-                <a:sym typeface="Arial"/>
-              </a:rPr>
-              <a:t>wardrobe</a:t>
-            </a:r>
-            <a:r>
-              <a:rPr kumimoji="0" lang="de-DE" sz="1400" b="0" i="0" u="none" strike="noStrike" cap="none" spc="0" normalizeH="0" baseline="0" dirty="0">
-                <a:ln>
-                  <a:noFill/>
-                </a:ln>
-                <a:solidFill>
-                  <a:srgbClr val="000000"/>
-                </a:solidFill>
-                <a:effectLst/>
-                <a:uFillTx/>
-                <a:latin typeface="+mj-lt"/>
-                <a:ea typeface="+mj-ea"/>
-                <a:cs typeface="+mj-cs"/>
-                <a:sym typeface="Arial"/>
-              </a:rPr>
-              <a:t>?</a:t>
-            </a:r>
-          </a:p>
-        </p:txBody>
-      </p:sp>
     </p:spTree>
+    <p:extLst>
+      <p:ext uri="{BB962C8B-B14F-4D97-AF65-F5344CB8AC3E}">
+        <p14:creationId xmlns:p14="http://schemas.microsoft.com/office/powerpoint/2010/main" val="2908968603"/>
+      </p:ext>
+    </p:extLst>
   </p:cSld>
   <p:clrMapOvr>
     <a:masterClrMapping/>
@@ -10528,8 +10082,8 @@
 </p:sld>
 </file>
 
-<file path=ppt/slides/slide6.xml><?xml version="1.0" encoding="utf-8"?>
-<p:sld xmlns:a="http://schemas.openxmlformats.org/drawingml/2006/main" xmlns:r="http://schemas.openxmlformats.org/officeDocument/2006/relationships" xmlns:p="http://schemas.openxmlformats.org/presentationml/2006/main">
+<file path=ppt/slides/slide7.xml><?xml version="1.0" encoding="utf-8"?>
+<p:sld xmlns:a="http://schemas.openxmlformats.org/drawingml/2006/main" xmlns:r="http://schemas.openxmlformats.org/officeDocument/2006/relationships" xmlns:p="http://schemas.openxmlformats.org/presentationml/2006/main" show="0">
   <p:cSld>
     <p:spTree>
       <p:nvGrpSpPr>
@@ -10748,7 +10302,7 @@
           <a:p>
             <a:fld id="{86CB4B4D-7CA3-9044-876B-883B54F8677D}" type="slidenum">
               <a:rPr/>
-              <a:t>6</a:t>
+              <a:t>7</a:t>
             </a:fld>
             <a:endParaRPr/>
           </a:p>
@@ -11129,2214 +10683,6 @@
 </p:sld>
 </file>
 
-<file path=ppt/slides/slide7.xml><?xml version="1.0" encoding="utf-8"?>
-<p:sld xmlns:a="http://schemas.openxmlformats.org/drawingml/2006/main" xmlns:r="http://schemas.openxmlformats.org/officeDocument/2006/relationships" xmlns:p="http://schemas.openxmlformats.org/presentationml/2006/main">
-  <p:cSld>
-    <p:spTree>
-      <p:nvGrpSpPr>
-        <p:cNvPr id="1" name=""/>
-        <p:cNvGrpSpPr/>
-        <p:nvPr/>
-      </p:nvGrpSpPr>
-      <p:grpSpPr>
-        <a:xfrm>
-          <a:off x="0" y="0"/>
-          <a:ext cx="0" cy="0"/>
-          <a:chOff x="0" y="0"/>
-          <a:chExt cx="0" cy="0"/>
-        </a:xfrm>
-      </p:grpSpPr>
-      <p:sp>
-        <p:nvSpPr>
-          <p:cNvPr id="287" name="Title 1"/>
-          <p:cNvSpPr txBox="1">
-            <a:spLocks noGrp="1"/>
-          </p:cNvSpPr>
-          <p:nvPr>
-            <p:ph type="title"/>
-          </p:nvPr>
-        </p:nvSpPr>
-        <p:spPr>
-          <a:xfrm>
-            <a:off x="869152" y="0"/>
-            <a:ext cx="4763163" cy="912373"/>
-          </a:xfrm>
-          <a:prstGeom prst="rect">
-            <a:avLst/>
-          </a:prstGeom>
-          <a:solidFill>
-            <a:srgbClr val="FFFFFF"/>
-          </a:solidFill>
-        </p:spPr>
-        <p:txBody>
-          <a:bodyPr anchor="t">
-            <a:normAutofit/>
-          </a:bodyPr>
-          <a:lstStyle/>
-          <a:p>
-            <a:r>
-              <a:rPr lang="da-DK" dirty="0" err="1"/>
-              <a:t>Other</a:t>
-            </a:r>
-            <a:r>
-              <a:rPr lang="da-DK" dirty="0"/>
-              <a:t> notable files</a:t>
-            </a:r>
-            <a:endParaRPr dirty="0"/>
-          </a:p>
-        </p:txBody>
-      </p:sp>
-      <p:sp>
-        <p:nvSpPr>
-          <p:cNvPr id="289" name="Slide Number Placeholder 3"/>
-          <p:cNvSpPr txBox="1">
-            <a:spLocks noGrp="1"/>
-          </p:cNvSpPr>
-          <p:nvPr>
-            <p:ph type="sldNum" sz="quarter" idx="2"/>
-          </p:nvPr>
-        </p:nvSpPr>
-        <p:spPr>
-          <a:xfrm>
-            <a:off x="8414909" y="4384352"/>
-            <a:ext cx="293290" cy="411451"/>
-          </a:xfrm>
-          <a:prstGeom prst="rect">
-            <a:avLst/>
-          </a:prstGeom>
-          <a:extLst>
-            <a:ext uri="{C572A759-6A51-4108-AA02-DFA0A04FC94B}">
-              <ma14:wrappingTextBoxFlag xmlns="" xmlns:m="http://schemas.openxmlformats.org/officeDocument/2006/math" xmlns:a14="http://schemas.microsoft.com/office/drawing/2010/main" xmlns:ma14="http://schemas.microsoft.com/office/mac/drawingml/2011/main" val="1"/>
-            </a:ext>
-          </a:extLst>
-        </p:spPr>
-        <p:txBody>
-          <a:bodyPr/>
-          <a:lstStyle/>
-          <a:p>
-            <a:fld id="{86CB4B4D-7CA3-9044-876B-883B54F8677D}" type="slidenum">
-              <a:rPr/>
-              <a:t>7</a:t>
-            </a:fld>
-            <a:endParaRPr/>
-          </a:p>
-        </p:txBody>
-      </p:sp>
-      <p:sp>
-        <p:nvSpPr>
-          <p:cNvPr id="5" name="Slide Number Placeholder 3">
-            <a:extLst>
-              <a:ext uri="{FF2B5EF4-FFF2-40B4-BE49-F238E27FC236}">
-                <a16:creationId xmlns:a16="http://schemas.microsoft.com/office/drawing/2014/main" id="{58FF1B07-F465-FB63-11A6-2A5A9B7995CD}"/>
-              </a:ext>
-            </a:extLst>
-          </p:cNvPr>
-          <p:cNvSpPr txBox="1">
-            <a:spLocks/>
-          </p:cNvSpPr>
-          <p:nvPr/>
-        </p:nvSpPr>
-        <p:spPr>
-          <a:xfrm>
-            <a:off x="8317170" y="4384352"/>
-            <a:ext cx="391029" cy="411451"/>
-          </a:xfrm>
-          <a:prstGeom prst="rect">
-            <a:avLst/>
-          </a:prstGeom>
-          <a:ln w="12700">
-            <a:miter lim="400000"/>
-          </a:ln>
-          <a:extLst>
-            <a:ext uri="{C572A759-6A51-4108-AA02-DFA0A04FC94B}">
-              <ma14:wrappingTextBoxFlag xmlns:ma14="http://schemas.microsoft.com/office/mac/drawingml/2011/main" xmlns:a14="http://schemas.microsoft.com/office/drawing/2010/main" xmlns:m="http://schemas.openxmlformats.org/officeDocument/2006/math" xmlns="" val="1"/>
-            </a:ext>
-          </a:extLst>
-        </p:spPr>
-        <p:txBody>
-          <a:bodyPr wrap="none" lIns="91424" tIns="91424" rIns="91424" bIns="91424" anchor="ctr">
-            <a:spAutoFit/>
-          </a:bodyPr>
-          <a:lstStyle>
-            <a:defPPr marL="0" marR="0" indent="0" algn="l" defTabSz="914400" rtl="0" fontAlgn="auto" latinLnBrk="1" hangingPunct="0">
-              <a:lnSpc>
-                <a:spcPct val="100000"/>
-              </a:lnSpc>
-              <a:spcBef>
-                <a:spcPts val="0"/>
-              </a:spcBef>
-              <a:spcAft>
-                <a:spcPts val="0"/>
-              </a:spcAft>
-              <a:buClrTx/>
-              <a:buSzTx/>
-              <a:buFontTx/>
-              <a:buNone/>
-              <a:tabLst/>
-              <a:defRPr kumimoji="0" sz="1800" b="0" i="0" u="none" strike="noStrike" cap="none" spc="0" normalizeH="0" baseline="0">
-                <a:ln>
-                  <a:noFill/>
-                </a:ln>
-                <a:solidFill>
-                  <a:srgbClr val="000000"/>
-                </a:solidFill>
-                <a:effectLst/>
-                <a:uFillTx/>
-              </a:defRPr>
-            </a:defPPr>
-            <a:lvl1pPr marL="0" marR="0" indent="0" algn="r" defTabSz="914400" rtl="0" fontAlgn="auto" latinLnBrk="0" hangingPunct="0">
-              <a:lnSpc>
-                <a:spcPct val="100000"/>
-              </a:lnSpc>
-              <a:spcBef>
-                <a:spcPts val="0"/>
-              </a:spcBef>
-              <a:spcAft>
-                <a:spcPts val="0"/>
-              </a:spcAft>
-              <a:buClrTx/>
-              <a:buSzTx/>
-              <a:buFontTx/>
-              <a:buNone/>
-              <a:tabLst/>
-              <a:defRPr kumimoji="0" sz="1300" b="0" i="0" u="none" strike="noStrike" cap="none" spc="0" normalizeH="0" baseline="0">
-                <a:ln>
-                  <a:noFill/>
-                </a:ln>
-                <a:solidFill>
-                  <a:srgbClr val="000000"/>
-                </a:solidFill>
-                <a:effectLst/>
-                <a:uFillTx/>
-                <a:latin typeface="Avenir Heavy"/>
-                <a:ea typeface="Avenir Heavy"/>
-                <a:cs typeface="Avenir Heavy"/>
-                <a:sym typeface="Avenir Heavy"/>
-              </a:defRPr>
-            </a:lvl1pPr>
-            <a:lvl2pPr marL="0" marR="0" indent="0" algn="l" defTabSz="914400" rtl="0" fontAlgn="auto" latinLnBrk="0" hangingPunct="0">
-              <a:lnSpc>
-                <a:spcPct val="100000"/>
-              </a:lnSpc>
-              <a:spcBef>
-                <a:spcPts val="0"/>
-              </a:spcBef>
-              <a:spcAft>
-                <a:spcPts val="0"/>
-              </a:spcAft>
-              <a:buClrTx/>
-              <a:buSzTx/>
-              <a:buFontTx/>
-              <a:buNone/>
-              <a:tabLst/>
-              <a:defRPr kumimoji="0" sz="1400" b="0" i="0" u="none" strike="noStrike" cap="none" spc="0" normalizeH="0" baseline="0">
-                <a:ln>
-                  <a:noFill/>
-                </a:ln>
-                <a:solidFill>
-                  <a:srgbClr val="000000"/>
-                </a:solidFill>
-                <a:effectLst/>
-                <a:uFillTx/>
-                <a:latin typeface="+mj-lt"/>
-                <a:ea typeface="+mj-ea"/>
-                <a:cs typeface="+mj-cs"/>
-                <a:sym typeface="Arial"/>
-              </a:defRPr>
-            </a:lvl2pPr>
-            <a:lvl3pPr marL="0" marR="0" indent="0" algn="l" defTabSz="914400" rtl="0" fontAlgn="auto" latinLnBrk="0" hangingPunct="0">
-              <a:lnSpc>
-                <a:spcPct val="100000"/>
-              </a:lnSpc>
-              <a:spcBef>
-                <a:spcPts val="0"/>
-              </a:spcBef>
-              <a:spcAft>
-                <a:spcPts val="0"/>
-              </a:spcAft>
-              <a:buClrTx/>
-              <a:buSzTx/>
-              <a:buFontTx/>
-              <a:buNone/>
-              <a:tabLst/>
-              <a:defRPr kumimoji="0" sz="1400" b="0" i="0" u="none" strike="noStrike" cap="none" spc="0" normalizeH="0" baseline="0">
-                <a:ln>
-                  <a:noFill/>
-                </a:ln>
-                <a:solidFill>
-                  <a:srgbClr val="000000"/>
-                </a:solidFill>
-                <a:effectLst/>
-                <a:uFillTx/>
-                <a:latin typeface="+mj-lt"/>
-                <a:ea typeface="+mj-ea"/>
-                <a:cs typeface="+mj-cs"/>
-                <a:sym typeface="Arial"/>
-              </a:defRPr>
-            </a:lvl3pPr>
-            <a:lvl4pPr marL="0" marR="0" indent="0" algn="l" defTabSz="914400" rtl="0" fontAlgn="auto" latinLnBrk="0" hangingPunct="0">
-              <a:lnSpc>
-                <a:spcPct val="100000"/>
-              </a:lnSpc>
-              <a:spcBef>
-                <a:spcPts val="0"/>
-              </a:spcBef>
-              <a:spcAft>
-                <a:spcPts val="0"/>
-              </a:spcAft>
-              <a:buClrTx/>
-              <a:buSzTx/>
-              <a:buFontTx/>
-              <a:buNone/>
-              <a:tabLst/>
-              <a:defRPr kumimoji="0" sz="1400" b="0" i="0" u="none" strike="noStrike" cap="none" spc="0" normalizeH="0" baseline="0">
-                <a:ln>
-                  <a:noFill/>
-                </a:ln>
-                <a:solidFill>
-                  <a:srgbClr val="000000"/>
-                </a:solidFill>
-                <a:effectLst/>
-                <a:uFillTx/>
-                <a:latin typeface="+mj-lt"/>
-                <a:ea typeface="+mj-ea"/>
-                <a:cs typeface="+mj-cs"/>
-                <a:sym typeface="Arial"/>
-              </a:defRPr>
-            </a:lvl4pPr>
-            <a:lvl5pPr marL="0" marR="0" indent="0" algn="l" defTabSz="914400" rtl="0" fontAlgn="auto" latinLnBrk="0" hangingPunct="0">
-              <a:lnSpc>
-                <a:spcPct val="100000"/>
-              </a:lnSpc>
-              <a:spcBef>
-                <a:spcPts val="0"/>
-              </a:spcBef>
-              <a:spcAft>
-                <a:spcPts val="0"/>
-              </a:spcAft>
-              <a:buClrTx/>
-              <a:buSzTx/>
-              <a:buFontTx/>
-              <a:buNone/>
-              <a:tabLst/>
-              <a:defRPr kumimoji="0" sz="1400" b="0" i="0" u="none" strike="noStrike" cap="none" spc="0" normalizeH="0" baseline="0">
-                <a:ln>
-                  <a:noFill/>
-                </a:ln>
-                <a:solidFill>
-                  <a:srgbClr val="000000"/>
-                </a:solidFill>
-                <a:effectLst/>
-                <a:uFillTx/>
-                <a:latin typeface="+mj-lt"/>
-                <a:ea typeface="+mj-ea"/>
-                <a:cs typeface="+mj-cs"/>
-                <a:sym typeface="Arial"/>
-              </a:defRPr>
-            </a:lvl5pPr>
-            <a:lvl6pPr marL="0" marR="0" indent="0" algn="l" defTabSz="914400" rtl="0" fontAlgn="auto" latinLnBrk="0" hangingPunct="0">
-              <a:lnSpc>
-                <a:spcPct val="100000"/>
-              </a:lnSpc>
-              <a:spcBef>
-                <a:spcPts val="0"/>
-              </a:spcBef>
-              <a:spcAft>
-                <a:spcPts val="0"/>
-              </a:spcAft>
-              <a:buClrTx/>
-              <a:buSzTx/>
-              <a:buFontTx/>
-              <a:buNone/>
-              <a:tabLst/>
-              <a:defRPr kumimoji="0" sz="1400" b="0" i="0" u="none" strike="noStrike" cap="none" spc="0" normalizeH="0" baseline="0">
-                <a:ln>
-                  <a:noFill/>
-                </a:ln>
-                <a:solidFill>
-                  <a:srgbClr val="000000"/>
-                </a:solidFill>
-                <a:effectLst/>
-                <a:uFillTx/>
-                <a:latin typeface="+mj-lt"/>
-                <a:ea typeface="+mj-ea"/>
-                <a:cs typeface="+mj-cs"/>
-                <a:sym typeface="Arial"/>
-              </a:defRPr>
-            </a:lvl6pPr>
-            <a:lvl7pPr marL="0" marR="0" indent="0" algn="l" defTabSz="914400" rtl="0" fontAlgn="auto" latinLnBrk="0" hangingPunct="0">
-              <a:lnSpc>
-                <a:spcPct val="100000"/>
-              </a:lnSpc>
-              <a:spcBef>
-                <a:spcPts val="0"/>
-              </a:spcBef>
-              <a:spcAft>
-                <a:spcPts val="0"/>
-              </a:spcAft>
-              <a:buClrTx/>
-              <a:buSzTx/>
-              <a:buFontTx/>
-              <a:buNone/>
-              <a:tabLst/>
-              <a:defRPr kumimoji="0" sz="1400" b="0" i="0" u="none" strike="noStrike" cap="none" spc="0" normalizeH="0" baseline="0">
-                <a:ln>
-                  <a:noFill/>
-                </a:ln>
-                <a:solidFill>
-                  <a:srgbClr val="000000"/>
-                </a:solidFill>
-                <a:effectLst/>
-                <a:uFillTx/>
-                <a:latin typeface="+mj-lt"/>
-                <a:ea typeface="+mj-ea"/>
-                <a:cs typeface="+mj-cs"/>
-                <a:sym typeface="Arial"/>
-              </a:defRPr>
-            </a:lvl7pPr>
-            <a:lvl8pPr marL="0" marR="0" indent="0" algn="l" defTabSz="914400" rtl="0" fontAlgn="auto" latinLnBrk="0" hangingPunct="0">
-              <a:lnSpc>
-                <a:spcPct val="100000"/>
-              </a:lnSpc>
-              <a:spcBef>
-                <a:spcPts val="0"/>
-              </a:spcBef>
-              <a:spcAft>
-                <a:spcPts val="0"/>
-              </a:spcAft>
-              <a:buClrTx/>
-              <a:buSzTx/>
-              <a:buFontTx/>
-              <a:buNone/>
-              <a:tabLst/>
-              <a:defRPr kumimoji="0" sz="1400" b="0" i="0" u="none" strike="noStrike" cap="none" spc="0" normalizeH="0" baseline="0">
-                <a:ln>
-                  <a:noFill/>
-                </a:ln>
-                <a:solidFill>
-                  <a:srgbClr val="000000"/>
-                </a:solidFill>
-                <a:effectLst/>
-                <a:uFillTx/>
-                <a:latin typeface="+mj-lt"/>
-                <a:ea typeface="+mj-ea"/>
-                <a:cs typeface="+mj-cs"/>
-                <a:sym typeface="Arial"/>
-              </a:defRPr>
-            </a:lvl8pPr>
-            <a:lvl9pPr marL="0" marR="0" indent="0" algn="l" defTabSz="914400" rtl="0" fontAlgn="auto" latinLnBrk="0" hangingPunct="0">
-              <a:lnSpc>
-                <a:spcPct val="100000"/>
-              </a:lnSpc>
-              <a:spcBef>
-                <a:spcPts val="0"/>
-              </a:spcBef>
-              <a:spcAft>
-                <a:spcPts val="0"/>
-              </a:spcAft>
-              <a:buClrTx/>
-              <a:buSzTx/>
-              <a:buFontTx/>
-              <a:buNone/>
-              <a:tabLst/>
-              <a:defRPr kumimoji="0" sz="1400" b="0" i="0" u="none" strike="noStrike" cap="none" spc="0" normalizeH="0" baseline="0">
-                <a:ln>
-                  <a:noFill/>
-                </a:ln>
-                <a:solidFill>
-                  <a:srgbClr val="000000"/>
-                </a:solidFill>
-                <a:effectLst/>
-                <a:uFillTx/>
-                <a:latin typeface="+mj-lt"/>
-                <a:ea typeface="+mj-ea"/>
-                <a:cs typeface="+mj-cs"/>
-                <a:sym typeface="Arial"/>
-              </a:defRPr>
-            </a:lvl9pPr>
-          </a:lstStyle>
-          <a:p>
-            <a:fld id="{86CB4B4D-7CA3-9044-876B-883B54F8677D}" type="slidenum">
-              <a:rPr lang="en-GB" smtClean="0"/>
-              <a:pPr/>
-              <a:t>7</a:t>
-            </a:fld>
-            <a:endParaRPr lang="en-GB"/>
-          </a:p>
-        </p:txBody>
-      </p:sp>
-      <p:sp>
-        <p:nvSpPr>
-          <p:cNvPr id="6" name="Textfeld 4">
-            <a:extLst>
-              <a:ext uri="{FF2B5EF4-FFF2-40B4-BE49-F238E27FC236}">
-                <a16:creationId xmlns:a16="http://schemas.microsoft.com/office/drawing/2014/main" id="{9B5779B1-62A8-DCD7-DC1B-E3F463630F2F}"/>
-              </a:ext>
-            </a:extLst>
-          </p:cNvPr>
-          <p:cNvSpPr txBox="1"/>
-          <p:nvPr/>
-        </p:nvSpPr>
-        <p:spPr>
-          <a:xfrm>
-            <a:off x="5324833" y="867695"/>
-            <a:ext cx="3331029" cy="3816429"/>
-          </a:xfrm>
-          <a:prstGeom prst="rect">
-            <a:avLst/>
-          </a:prstGeom>
-          <a:solidFill>
-            <a:schemeClr val="accent1">
-              <a:lumMod val="20000"/>
-              <a:lumOff val="80000"/>
-            </a:schemeClr>
-          </a:solidFill>
-          <a:ln w="12700" cap="flat">
-            <a:noFill/>
-            <a:miter lim="400000"/>
-          </a:ln>
-          <a:effectLst/>
-          <a:sp3d/>
-        </p:spPr>
-        <p:style>
-          <a:lnRef idx="0">
-            <a:scrgbClr r="0" g="0" b="0"/>
-          </a:lnRef>
-          <a:fillRef idx="0">
-            <a:scrgbClr r="0" g="0" b="0"/>
-          </a:fillRef>
-          <a:effectRef idx="0">
-            <a:scrgbClr r="0" g="0" b="0"/>
-          </a:effectRef>
-          <a:fontRef idx="none"/>
-        </p:style>
-        <p:txBody>
-          <a:bodyPr wrap="square">
-            <a:spAutoFit/>
-          </a:bodyPr>
-          <a:lstStyle/>
-          <a:p>
-            <a:pPr marL="0" marR="0" lvl="0" indent="0" algn="l" defTabSz="914400" rtl="0" eaLnBrk="1" fontAlgn="auto" latinLnBrk="0" hangingPunct="0">
-              <a:lnSpc>
-                <a:spcPct val="100000"/>
-              </a:lnSpc>
-              <a:spcBef>
-                <a:spcPts val="0"/>
-              </a:spcBef>
-              <a:spcAft>
-                <a:spcPts val="0"/>
-              </a:spcAft>
-              <a:buClrTx/>
-              <a:buSzTx/>
-              <a:buFontTx/>
-              <a:buNone/>
-              <a:tabLst/>
-              <a:defRPr/>
-            </a:pPr>
-            <a:r>
-              <a:rPr kumimoji="0" lang="de-DE" sz="1100" b="1" i="0" u="none" strike="noStrike" kern="0" cap="none" spc="0" normalizeH="0" baseline="0" noProof="0" dirty="0" err="1">
-                <a:ln>
-                  <a:noFill/>
-                </a:ln>
-                <a:solidFill>
-                  <a:srgbClr val="002060"/>
-                </a:solidFill>
-                <a:effectLst/>
-                <a:uLnTx/>
-                <a:uFillTx/>
-                <a:latin typeface="Courier New" panose="02070309020205020404" pitchFamily="49" charset="0"/>
-                <a:cs typeface="Courier New" panose="02070309020205020404" pitchFamily="49" charset="0"/>
-                <a:sym typeface="Arial"/>
-              </a:rPr>
-              <a:t>my_project</a:t>
-            </a:r>
-            <a:r>
-              <a:rPr kumimoji="0" lang="de-DE" sz="1100" b="1" i="0" u="none" strike="noStrike" kern="0" cap="none" spc="0" normalizeH="0" baseline="0" noProof="0" dirty="0">
-                <a:ln>
-                  <a:noFill/>
-                </a:ln>
-                <a:solidFill>
-                  <a:srgbClr val="002060"/>
-                </a:solidFill>
-                <a:effectLst/>
-                <a:uLnTx/>
-                <a:uFillTx/>
-                <a:latin typeface="Courier New" panose="02070309020205020404" pitchFamily="49" charset="0"/>
-                <a:cs typeface="Courier New" panose="02070309020205020404" pitchFamily="49" charset="0"/>
-                <a:sym typeface="Arial"/>
-              </a:rPr>
-              <a:t>/</a:t>
-            </a:r>
-          </a:p>
-          <a:p>
-            <a:pPr>
-              <a:defRPr/>
-            </a:pPr>
-            <a:r>
-              <a:rPr lang="de-DE" sz="1100" b="1" dirty="0">
-                <a:solidFill>
-                  <a:srgbClr val="FFFFFF"/>
-                </a:solidFill>
-                <a:highlight>
-                  <a:srgbClr val="008000"/>
-                </a:highlight>
-                <a:latin typeface="Courier New" panose="02070309020205020404" pitchFamily="49" charset="0"/>
-                <a:cs typeface="Courier New" panose="02070309020205020404" pitchFamily="49" charset="0"/>
-              </a:rPr>
-              <a:t>├── .gitignore</a:t>
-            </a:r>
-            <a:endParaRPr kumimoji="0" lang="de-DE" sz="1100" b="1" i="0" u="none" strike="noStrike" kern="0" cap="none" spc="0" normalizeH="0" baseline="0" noProof="0" dirty="0">
-              <a:ln>
-                <a:noFill/>
-              </a:ln>
-              <a:solidFill>
-                <a:srgbClr val="002060"/>
-              </a:solidFill>
-              <a:effectLst/>
-              <a:uLnTx/>
-              <a:uFillTx/>
-              <a:latin typeface="Courier New" panose="02070309020205020404" pitchFamily="49" charset="0"/>
-              <a:cs typeface="Courier New" panose="02070309020205020404" pitchFamily="49" charset="0"/>
-              <a:sym typeface="Arial"/>
-            </a:endParaRPr>
-          </a:p>
-          <a:p>
-            <a:pPr>
-              <a:defRPr/>
-            </a:pPr>
-            <a:r>
-              <a:rPr lang="de-DE" sz="1100" b="1" dirty="0">
-                <a:solidFill>
-                  <a:srgbClr val="FFFFFF"/>
-                </a:solidFill>
-                <a:highlight>
-                  <a:srgbClr val="008000"/>
-                </a:highlight>
-                <a:latin typeface="Courier New" panose="02070309020205020404" pitchFamily="49" charset="0"/>
-                <a:cs typeface="Courier New" panose="02070309020205020404" pitchFamily="49" charset="0"/>
-              </a:rPr>
-              <a:t>├── LICENSE</a:t>
-            </a:r>
-          </a:p>
-          <a:p>
-            <a:pPr marL="0" marR="0" lvl="0" indent="0" algn="l" defTabSz="914400" rtl="0" eaLnBrk="1" fontAlgn="auto" latinLnBrk="0" hangingPunct="0">
-              <a:lnSpc>
-                <a:spcPct val="100000"/>
-              </a:lnSpc>
-              <a:spcBef>
-                <a:spcPts val="0"/>
-              </a:spcBef>
-              <a:spcAft>
-                <a:spcPts val="0"/>
-              </a:spcAft>
-              <a:buClrTx/>
-              <a:buSzTx/>
-              <a:buFontTx/>
-              <a:buNone/>
-              <a:tabLst/>
-              <a:defRPr/>
-            </a:pPr>
-            <a:r>
-              <a:rPr lang="de-DE" sz="1100" b="1" dirty="0">
-                <a:solidFill>
-                  <a:srgbClr val="002060"/>
-                </a:solidFill>
-                <a:latin typeface="Courier New" panose="02070309020205020404" pitchFamily="49" charset="0"/>
-                <a:cs typeface="Courier New" panose="02070309020205020404" pitchFamily="49" charset="0"/>
-              </a:rPr>
-              <a:t>├── </a:t>
-            </a:r>
-            <a:r>
-              <a:rPr lang="de-DE" sz="1100" b="1" dirty="0" err="1">
-                <a:solidFill>
-                  <a:srgbClr val="002060"/>
-                </a:solidFill>
-                <a:latin typeface="Courier New" panose="02070309020205020404" pitchFamily="49" charset="0"/>
-                <a:cs typeface="Courier New" panose="02070309020205020404" pitchFamily="49" charset="0"/>
-              </a:rPr>
-              <a:t>notebooks_scripts</a:t>
-            </a:r>
-            <a:endParaRPr lang="de-DE" sz="1100" b="1" dirty="0">
-              <a:solidFill>
-                <a:srgbClr val="002060"/>
-              </a:solidFill>
-              <a:latin typeface="Courier New" panose="02070309020205020404" pitchFamily="49" charset="0"/>
-              <a:cs typeface="Courier New" panose="02070309020205020404" pitchFamily="49" charset="0"/>
-            </a:endParaRPr>
-          </a:p>
-          <a:p>
-            <a:pPr marL="0" marR="0" lvl="0" indent="0" algn="l" defTabSz="914400" rtl="0" eaLnBrk="1" fontAlgn="auto" latinLnBrk="0" hangingPunct="0">
-              <a:lnSpc>
-                <a:spcPct val="100000"/>
-              </a:lnSpc>
-              <a:spcBef>
-                <a:spcPts val="0"/>
-              </a:spcBef>
-              <a:spcAft>
-                <a:spcPts val="0"/>
-              </a:spcAft>
-              <a:buClrTx/>
-              <a:buSzTx/>
-              <a:buFontTx/>
-              <a:buNone/>
-              <a:tabLst/>
-              <a:defRPr/>
-            </a:pPr>
-            <a:r>
-              <a:rPr kumimoji="0" lang="de-DE" sz="1100" b="1" i="0" u="none" strike="noStrike" kern="0" cap="none" spc="0" normalizeH="0" baseline="0" noProof="0" dirty="0">
-                <a:ln>
-                  <a:noFill/>
-                </a:ln>
-                <a:solidFill>
-                  <a:srgbClr val="002060"/>
-                </a:solidFill>
-                <a:effectLst/>
-                <a:uLnTx/>
-                <a:uFillTx/>
-                <a:latin typeface="Courier New" panose="02070309020205020404" pitchFamily="49" charset="0"/>
-                <a:cs typeface="Courier New" panose="02070309020205020404" pitchFamily="49" charset="0"/>
-                <a:sym typeface="Arial"/>
-              </a:rPr>
-              <a:t>│   ├── </a:t>
-            </a:r>
-            <a:r>
-              <a:rPr kumimoji="0" lang="de-DE" sz="1100" b="1" i="0" u="none" strike="noStrike" kern="0" cap="none" spc="0" normalizeH="0" baseline="0" noProof="0" dirty="0" err="1">
-                <a:ln>
-                  <a:noFill/>
-                </a:ln>
-                <a:solidFill>
-                  <a:srgbClr val="002060"/>
-                </a:solidFill>
-                <a:effectLst/>
-                <a:uLnTx/>
-                <a:uFillTx/>
-                <a:latin typeface="Courier New" panose="02070309020205020404" pitchFamily="49" charset="0"/>
-                <a:cs typeface="Courier New" panose="02070309020205020404" pitchFamily="49" charset="0"/>
-                <a:sym typeface="Arial"/>
-              </a:rPr>
-              <a:t>demo.ipynb</a:t>
-            </a:r>
-            <a:endParaRPr kumimoji="0" lang="de-DE" sz="1100" b="1" i="0" u="none" strike="noStrike" kern="0" cap="none" spc="0" normalizeH="0" baseline="0" noProof="0" dirty="0">
-              <a:ln>
-                <a:noFill/>
-              </a:ln>
-              <a:solidFill>
-                <a:srgbClr val="002060"/>
-              </a:solidFill>
-              <a:effectLst/>
-              <a:uLnTx/>
-              <a:uFillTx/>
-              <a:latin typeface="Courier New" panose="02070309020205020404" pitchFamily="49" charset="0"/>
-              <a:cs typeface="Courier New" panose="02070309020205020404" pitchFamily="49" charset="0"/>
-              <a:sym typeface="Arial"/>
-            </a:endParaRPr>
-          </a:p>
-          <a:p>
-            <a:pPr marL="0" marR="0" lvl="0" indent="0" algn="l" defTabSz="914400" rtl="0" eaLnBrk="1" fontAlgn="auto" latinLnBrk="0" hangingPunct="0">
-              <a:lnSpc>
-                <a:spcPct val="100000"/>
-              </a:lnSpc>
-              <a:spcBef>
-                <a:spcPts val="0"/>
-              </a:spcBef>
-              <a:spcAft>
-                <a:spcPts val="0"/>
-              </a:spcAft>
-              <a:buClrTx/>
-              <a:buSzTx/>
-              <a:buFontTx/>
-              <a:buNone/>
-              <a:tabLst/>
-              <a:defRPr/>
-            </a:pPr>
-            <a:r>
-              <a:rPr kumimoji="0" lang="de-DE" sz="1100" b="1" i="0" u="none" strike="noStrike" kern="0" cap="none" spc="0" normalizeH="0" baseline="0" noProof="0" dirty="0">
-                <a:ln>
-                  <a:noFill/>
-                </a:ln>
-                <a:solidFill>
-                  <a:srgbClr val="002060"/>
-                </a:solidFill>
-                <a:effectLst/>
-                <a:uLnTx/>
-                <a:uFillTx/>
-                <a:latin typeface="Courier New" panose="02070309020205020404" pitchFamily="49" charset="0"/>
-                <a:cs typeface="Courier New" panose="02070309020205020404" pitchFamily="49" charset="0"/>
-                <a:sym typeface="Arial"/>
-              </a:rPr>
-              <a:t>│   ├── </a:t>
-            </a:r>
-            <a:r>
-              <a:rPr kumimoji="0" lang="de-DE" sz="1100" b="1" i="0" u="none" strike="noStrike" kern="0" cap="none" spc="0" normalizeH="0" baseline="0" noProof="0" dirty="0" err="1">
-                <a:ln>
-                  <a:noFill/>
-                </a:ln>
-                <a:solidFill>
-                  <a:srgbClr val="002060"/>
-                </a:solidFill>
-                <a:effectLst/>
-                <a:uLnTx/>
-                <a:uFillTx/>
-                <a:latin typeface="Courier New" panose="02070309020205020404" pitchFamily="49" charset="0"/>
-                <a:cs typeface="Courier New" panose="02070309020205020404" pitchFamily="49" charset="0"/>
-                <a:sym typeface="Arial"/>
-              </a:rPr>
-              <a:t>recreate_paper_figures.py</a:t>
-            </a:r>
-            <a:endParaRPr kumimoji="0" lang="de-DE" sz="1100" b="1" i="0" u="none" strike="noStrike" kern="0" cap="none" spc="0" normalizeH="0" baseline="0" noProof="0" dirty="0">
-              <a:ln>
-                <a:noFill/>
-              </a:ln>
-              <a:solidFill>
-                <a:srgbClr val="002060"/>
-              </a:solidFill>
-              <a:effectLst/>
-              <a:uLnTx/>
-              <a:uFillTx/>
-              <a:latin typeface="Courier New" panose="02070309020205020404" pitchFamily="49" charset="0"/>
-              <a:cs typeface="Courier New" panose="02070309020205020404" pitchFamily="49" charset="0"/>
-              <a:sym typeface="Arial"/>
-            </a:endParaRPr>
-          </a:p>
-          <a:p>
-            <a:pPr marL="0" marR="0" lvl="0" indent="0" algn="l" defTabSz="914400" rtl="0" eaLnBrk="1" fontAlgn="auto" latinLnBrk="0" hangingPunct="0">
-              <a:lnSpc>
-                <a:spcPct val="100000"/>
-              </a:lnSpc>
-              <a:spcBef>
-                <a:spcPts val="0"/>
-              </a:spcBef>
-              <a:spcAft>
-                <a:spcPts val="0"/>
-              </a:spcAft>
-              <a:buClrTx/>
-              <a:buSzTx/>
-              <a:buFontTx/>
-              <a:buNone/>
-              <a:tabLst/>
-              <a:defRPr/>
-            </a:pPr>
-            <a:r>
-              <a:rPr kumimoji="0" lang="de-DE" sz="1100" b="1" i="0" u="none" strike="noStrike" kern="0" cap="none" spc="0" normalizeH="0" baseline="0" noProof="0" dirty="0">
-                <a:ln>
-                  <a:noFill/>
-                </a:ln>
-                <a:solidFill>
-                  <a:srgbClr val="002060"/>
-                </a:solidFill>
-                <a:effectLst/>
-                <a:uLnTx/>
-                <a:uFillTx/>
-                <a:latin typeface="Courier New" panose="02070309020205020404" pitchFamily="49" charset="0"/>
-                <a:cs typeface="Courier New" panose="02070309020205020404" pitchFamily="49" charset="0"/>
-                <a:sym typeface="Arial"/>
-              </a:rPr>
-              <a:t>├── </a:t>
-            </a:r>
-            <a:r>
-              <a:rPr kumimoji="0" lang="de-DE" sz="1100" b="1" i="0" u="none" strike="noStrike" kern="0" cap="none" spc="0" normalizeH="0" baseline="0" noProof="0" dirty="0" err="1">
-                <a:ln>
-                  <a:noFill/>
-                </a:ln>
-                <a:solidFill>
-                  <a:srgbClr val="002060"/>
-                </a:solidFill>
-                <a:effectLst/>
-                <a:uLnTx/>
-                <a:uFillTx/>
-                <a:latin typeface="Courier New" panose="02070309020205020404" pitchFamily="49" charset="0"/>
-                <a:cs typeface="Courier New" panose="02070309020205020404" pitchFamily="49" charset="0"/>
-                <a:sym typeface="Arial"/>
-              </a:rPr>
-              <a:t>pyproject.toml</a:t>
-            </a:r>
-            <a:endParaRPr kumimoji="0" lang="de-DE" sz="1100" b="1" i="0" u="none" strike="noStrike" kern="0" cap="none" spc="0" normalizeH="0" baseline="0" noProof="0" dirty="0">
-              <a:ln>
-                <a:noFill/>
-              </a:ln>
-              <a:solidFill>
-                <a:srgbClr val="002060"/>
-              </a:solidFill>
-              <a:effectLst/>
-              <a:uLnTx/>
-              <a:uFillTx/>
-              <a:latin typeface="Courier New" panose="02070309020205020404" pitchFamily="49" charset="0"/>
-              <a:cs typeface="Courier New" panose="02070309020205020404" pitchFamily="49" charset="0"/>
-              <a:sym typeface="Arial"/>
-            </a:endParaRPr>
-          </a:p>
-          <a:p>
-            <a:pPr lvl="0" eaLnBrk="1">
-              <a:defRPr/>
-            </a:pPr>
-            <a:r>
-              <a:rPr lang="de-DE" sz="1100" b="1" dirty="0">
-                <a:solidFill>
-                  <a:srgbClr val="FFFFFF"/>
-                </a:solidFill>
-                <a:highlight>
-                  <a:srgbClr val="008000"/>
-                </a:highlight>
-                <a:latin typeface="Courier New" panose="02070309020205020404" pitchFamily="49" charset="0"/>
-                <a:cs typeface="Courier New" panose="02070309020205020404" pitchFamily="49" charset="0"/>
-              </a:rPr>
-              <a:t>├── README.md</a:t>
-            </a:r>
-          </a:p>
-          <a:p>
-            <a:pPr>
-              <a:defRPr/>
-            </a:pPr>
-            <a:r>
-              <a:rPr lang="de-DE" sz="1100" b="1" dirty="0">
-                <a:solidFill>
-                  <a:srgbClr val="FFFFFF"/>
-                </a:solidFill>
-                <a:highlight>
-                  <a:srgbClr val="008000"/>
-                </a:highlight>
-                <a:latin typeface="Courier New" panose="02070309020205020404" pitchFamily="49" charset="0"/>
-                <a:cs typeface="Courier New" panose="02070309020205020404" pitchFamily="49" charset="0"/>
-              </a:rPr>
-              <a:t>├── requirements.txt</a:t>
-            </a:r>
-          </a:p>
-          <a:p>
-            <a:pPr marL="0" marR="0" lvl="0" indent="0" algn="l" defTabSz="914400" rtl="0" eaLnBrk="1" fontAlgn="auto" latinLnBrk="0" hangingPunct="0">
-              <a:lnSpc>
-                <a:spcPct val="100000"/>
-              </a:lnSpc>
-              <a:spcBef>
-                <a:spcPts val="0"/>
-              </a:spcBef>
-              <a:spcAft>
-                <a:spcPts val="0"/>
-              </a:spcAft>
-              <a:buClrTx/>
-              <a:buSzTx/>
-              <a:buFontTx/>
-              <a:buNone/>
-              <a:tabLst/>
-              <a:defRPr/>
-            </a:pPr>
-            <a:r>
-              <a:rPr lang="de-DE" sz="1100" b="1" dirty="0">
-                <a:solidFill>
-                  <a:srgbClr val="002060"/>
-                </a:solidFill>
-                <a:latin typeface="Courier New" panose="02070309020205020404" pitchFamily="49" charset="0"/>
-                <a:cs typeface="Courier New" panose="02070309020205020404" pitchFamily="49" charset="0"/>
-              </a:rPr>
-              <a:t>├── </a:t>
-            </a:r>
-            <a:r>
-              <a:rPr lang="de-DE" sz="1100" b="1" dirty="0" err="1">
-                <a:solidFill>
-                  <a:srgbClr val="002060"/>
-                </a:solidFill>
-                <a:latin typeface="Courier New" panose="02070309020205020404" pitchFamily="49" charset="0"/>
-                <a:cs typeface="Courier New" panose="02070309020205020404" pitchFamily="49" charset="0"/>
-              </a:rPr>
-              <a:t>src</a:t>
-            </a:r>
-            <a:r>
-              <a:rPr lang="de-DE" sz="1100" b="1" dirty="0">
-                <a:solidFill>
-                  <a:srgbClr val="002060"/>
-                </a:solidFill>
-                <a:latin typeface="Courier New" panose="02070309020205020404" pitchFamily="49" charset="0"/>
-                <a:cs typeface="Courier New" panose="02070309020205020404" pitchFamily="49" charset="0"/>
-              </a:rPr>
-              <a:t>/</a:t>
-            </a:r>
-          </a:p>
-          <a:p>
-            <a:pPr marL="0" marR="0" lvl="0" indent="0" algn="l" defTabSz="914400" rtl="0" eaLnBrk="1" fontAlgn="auto" latinLnBrk="0" hangingPunct="0">
-              <a:lnSpc>
-                <a:spcPct val="100000"/>
-              </a:lnSpc>
-              <a:spcBef>
-                <a:spcPts val="0"/>
-              </a:spcBef>
-              <a:spcAft>
-                <a:spcPts val="0"/>
-              </a:spcAft>
-              <a:buClrTx/>
-              <a:buSzTx/>
-              <a:buFontTx/>
-              <a:buNone/>
-              <a:tabLst/>
-              <a:defRPr/>
-            </a:pPr>
-            <a:r>
-              <a:rPr kumimoji="0" lang="de-DE" sz="1100" b="1" i="0" u="none" strike="noStrike" kern="0" cap="none" spc="0" normalizeH="0" baseline="0" noProof="0" dirty="0">
-                <a:ln>
-                  <a:noFill/>
-                </a:ln>
-                <a:solidFill>
-                  <a:srgbClr val="002060"/>
-                </a:solidFill>
-                <a:effectLst/>
-                <a:uLnTx/>
-                <a:uFillTx/>
-                <a:latin typeface="Courier New" panose="02070309020205020404" pitchFamily="49" charset="0"/>
-                <a:cs typeface="Courier New" panose="02070309020205020404" pitchFamily="49" charset="0"/>
-                <a:sym typeface="Arial"/>
-              </a:rPr>
-              <a:t>│   ├── </a:t>
-            </a:r>
-            <a:r>
-              <a:rPr kumimoji="0" lang="de-DE" sz="1100" b="1" i="0" u="none" strike="noStrike" kern="0" cap="none" spc="0" normalizeH="0" baseline="0" noProof="0" dirty="0" err="1">
-                <a:ln>
-                  <a:noFill/>
-                </a:ln>
-                <a:solidFill>
-                  <a:srgbClr val="002060"/>
-                </a:solidFill>
-                <a:effectLst/>
-                <a:uLnTx/>
-                <a:uFillTx/>
-                <a:latin typeface="Courier New" panose="02070309020205020404" pitchFamily="49" charset="0"/>
-                <a:cs typeface="Courier New" panose="02070309020205020404" pitchFamily="49" charset="0"/>
-                <a:sym typeface="Arial"/>
-              </a:rPr>
-              <a:t>package_name</a:t>
-            </a:r>
-            <a:r>
-              <a:rPr kumimoji="0" lang="de-DE" sz="1100" b="1" i="0" u="none" strike="noStrike" kern="0" cap="none" spc="0" normalizeH="0" baseline="0" noProof="0" dirty="0">
-                <a:ln>
-                  <a:noFill/>
-                </a:ln>
-                <a:solidFill>
-                  <a:srgbClr val="002060"/>
-                </a:solidFill>
-                <a:effectLst/>
-                <a:uLnTx/>
-                <a:uFillTx/>
-                <a:latin typeface="Courier New" panose="02070309020205020404" pitchFamily="49" charset="0"/>
-                <a:cs typeface="Courier New" panose="02070309020205020404" pitchFamily="49" charset="0"/>
-                <a:sym typeface="Arial"/>
-              </a:rPr>
-              <a:t>/</a:t>
-            </a:r>
-          </a:p>
-          <a:p>
-            <a:pPr marL="0" marR="0" lvl="0" indent="0" algn="l" defTabSz="914400" rtl="0" eaLnBrk="1" fontAlgn="auto" latinLnBrk="0" hangingPunct="0">
-              <a:lnSpc>
-                <a:spcPct val="100000"/>
-              </a:lnSpc>
-              <a:spcBef>
-                <a:spcPts val="0"/>
-              </a:spcBef>
-              <a:spcAft>
-                <a:spcPts val="0"/>
-              </a:spcAft>
-              <a:buClrTx/>
-              <a:buSzTx/>
-              <a:buFontTx/>
-              <a:buNone/>
-              <a:tabLst/>
-              <a:defRPr/>
-            </a:pPr>
-            <a:r>
-              <a:rPr kumimoji="0" lang="de-DE" sz="1100" b="1" i="0" u="none" strike="noStrike" kern="0" cap="none" spc="0" normalizeH="0" baseline="0" noProof="0" dirty="0">
-                <a:ln>
-                  <a:noFill/>
-                </a:ln>
-                <a:solidFill>
-                  <a:srgbClr val="002060"/>
-                </a:solidFill>
-                <a:effectLst/>
-                <a:uLnTx/>
-                <a:uFillTx/>
-                <a:latin typeface="Courier New" panose="02070309020205020404" pitchFamily="49" charset="0"/>
-                <a:cs typeface="Courier New" panose="02070309020205020404" pitchFamily="49" charset="0"/>
-                <a:sym typeface="Arial"/>
-              </a:rPr>
-              <a:t>│   │   ├── __</a:t>
-            </a:r>
-            <a:r>
-              <a:rPr kumimoji="0" lang="de-DE" sz="1100" b="1" i="0" u="none" strike="noStrike" kern="0" cap="none" spc="0" normalizeH="0" baseline="0" noProof="0" dirty="0" err="1">
-                <a:ln>
-                  <a:noFill/>
-                </a:ln>
-                <a:solidFill>
-                  <a:srgbClr val="002060"/>
-                </a:solidFill>
-                <a:effectLst/>
-                <a:uLnTx/>
-                <a:uFillTx/>
-                <a:latin typeface="Courier New" panose="02070309020205020404" pitchFamily="49" charset="0"/>
-                <a:cs typeface="Courier New" panose="02070309020205020404" pitchFamily="49" charset="0"/>
-                <a:sym typeface="Arial"/>
-              </a:rPr>
-              <a:t>init</a:t>
-            </a:r>
-            <a:r>
-              <a:rPr kumimoji="0" lang="de-DE" sz="1100" b="1" i="0" u="none" strike="noStrike" kern="0" cap="none" spc="0" normalizeH="0" baseline="0" noProof="0" dirty="0">
-                <a:ln>
-                  <a:noFill/>
-                </a:ln>
-                <a:solidFill>
-                  <a:srgbClr val="002060"/>
-                </a:solidFill>
-                <a:effectLst/>
-                <a:uLnTx/>
-                <a:uFillTx/>
-                <a:latin typeface="Courier New" panose="02070309020205020404" pitchFamily="49" charset="0"/>
-                <a:cs typeface="Courier New" panose="02070309020205020404" pitchFamily="49" charset="0"/>
-                <a:sym typeface="Arial"/>
-              </a:rPr>
-              <a:t>__.</a:t>
-            </a:r>
-            <a:r>
-              <a:rPr kumimoji="0" lang="de-DE" sz="1100" b="1" i="0" u="none" strike="noStrike" kern="0" cap="none" spc="0" normalizeH="0" baseline="0" noProof="0" dirty="0" err="1">
-                <a:ln>
-                  <a:noFill/>
-                </a:ln>
-                <a:solidFill>
-                  <a:srgbClr val="002060"/>
-                </a:solidFill>
-                <a:effectLst/>
-                <a:uLnTx/>
-                <a:uFillTx/>
-                <a:latin typeface="Courier New" panose="02070309020205020404" pitchFamily="49" charset="0"/>
-                <a:cs typeface="Courier New" panose="02070309020205020404" pitchFamily="49" charset="0"/>
-                <a:sym typeface="Arial"/>
-              </a:rPr>
-              <a:t>py</a:t>
-            </a:r>
-            <a:endParaRPr kumimoji="0" lang="de-DE" sz="1100" b="1" i="0" u="none" strike="noStrike" kern="0" cap="none" spc="0" normalizeH="0" baseline="0" noProof="0" dirty="0">
-              <a:ln>
-                <a:noFill/>
-              </a:ln>
-              <a:solidFill>
-                <a:srgbClr val="002060"/>
-              </a:solidFill>
-              <a:effectLst/>
-              <a:uLnTx/>
-              <a:uFillTx/>
-              <a:latin typeface="Courier New" panose="02070309020205020404" pitchFamily="49" charset="0"/>
-              <a:cs typeface="Courier New" panose="02070309020205020404" pitchFamily="49" charset="0"/>
-              <a:sym typeface="Arial"/>
-            </a:endParaRPr>
-          </a:p>
-          <a:p>
-            <a:pPr marL="0" marR="0" lvl="0" indent="0" algn="l" defTabSz="914400" rtl="0" eaLnBrk="1" fontAlgn="auto" latinLnBrk="0" hangingPunct="0">
-              <a:lnSpc>
-                <a:spcPct val="100000"/>
-              </a:lnSpc>
-              <a:spcBef>
-                <a:spcPts val="0"/>
-              </a:spcBef>
-              <a:spcAft>
-                <a:spcPts val="0"/>
-              </a:spcAft>
-              <a:buClrTx/>
-              <a:buSzTx/>
-              <a:buFontTx/>
-              <a:buNone/>
-              <a:tabLst/>
-              <a:defRPr/>
-            </a:pPr>
-            <a:r>
-              <a:rPr kumimoji="0" lang="de-DE" sz="1100" b="1" i="0" u="none" strike="noStrike" kern="0" cap="none" spc="0" normalizeH="0" baseline="0" noProof="0" dirty="0">
-                <a:ln>
-                  <a:noFill/>
-                </a:ln>
-                <a:solidFill>
-                  <a:srgbClr val="002060"/>
-                </a:solidFill>
-                <a:effectLst/>
-                <a:uLnTx/>
-                <a:uFillTx/>
-                <a:latin typeface="Courier New" panose="02070309020205020404" pitchFamily="49" charset="0"/>
-                <a:cs typeface="Courier New" panose="02070309020205020404" pitchFamily="49" charset="0"/>
-                <a:sym typeface="Arial"/>
-              </a:rPr>
-              <a:t>│   │   ├── </a:t>
-            </a:r>
-            <a:r>
-              <a:rPr kumimoji="0" lang="de-DE" sz="1100" b="1" i="0" u="none" strike="noStrike" kern="0" cap="none" spc="0" normalizeH="0" baseline="0" noProof="0" dirty="0" err="1">
-                <a:ln>
-                  <a:noFill/>
-                </a:ln>
-                <a:solidFill>
-                  <a:srgbClr val="002060"/>
-                </a:solidFill>
-                <a:effectLst/>
-                <a:uLnTx/>
-                <a:uFillTx/>
-                <a:latin typeface="Courier New" panose="02070309020205020404" pitchFamily="49" charset="0"/>
-                <a:cs typeface="Courier New" panose="02070309020205020404" pitchFamily="49" charset="0"/>
-                <a:sym typeface="Arial"/>
-              </a:rPr>
-              <a:t>analysis.py</a:t>
-            </a:r>
-            <a:endParaRPr kumimoji="0" lang="de-DE" sz="1100" b="1" i="0" u="none" strike="noStrike" kern="0" cap="none" spc="0" normalizeH="0" baseline="0" noProof="0" dirty="0">
-              <a:ln>
-                <a:noFill/>
-              </a:ln>
-              <a:solidFill>
-                <a:srgbClr val="002060"/>
-              </a:solidFill>
-              <a:effectLst/>
-              <a:uLnTx/>
-              <a:uFillTx/>
-              <a:latin typeface="Courier New" panose="02070309020205020404" pitchFamily="49" charset="0"/>
-              <a:cs typeface="Courier New" panose="02070309020205020404" pitchFamily="49" charset="0"/>
-              <a:sym typeface="Arial"/>
-            </a:endParaRPr>
-          </a:p>
-          <a:p>
-            <a:pPr marL="0" marR="0" lvl="0" indent="0" algn="l" defTabSz="914400" rtl="0" eaLnBrk="1" fontAlgn="auto" latinLnBrk="0" hangingPunct="0">
-              <a:lnSpc>
-                <a:spcPct val="100000"/>
-              </a:lnSpc>
-              <a:spcBef>
-                <a:spcPts val="0"/>
-              </a:spcBef>
-              <a:spcAft>
-                <a:spcPts val="0"/>
-              </a:spcAft>
-              <a:buClrTx/>
-              <a:buSzTx/>
-              <a:buFontTx/>
-              <a:buNone/>
-              <a:tabLst/>
-              <a:defRPr/>
-            </a:pPr>
-            <a:r>
-              <a:rPr kumimoji="0" lang="de-DE" sz="1100" b="1" i="0" u="none" strike="noStrike" kern="0" cap="none" spc="0" normalizeH="0" baseline="0" noProof="0" dirty="0">
-                <a:ln>
-                  <a:noFill/>
-                </a:ln>
-                <a:solidFill>
-                  <a:srgbClr val="002060"/>
-                </a:solidFill>
-                <a:effectLst/>
-                <a:uLnTx/>
-                <a:uFillTx/>
-                <a:latin typeface="Courier New" panose="02070309020205020404" pitchFamily="49" charset="0"/>
-                <a:cs typeface="Courier New" panose="02070309020205020404" pitchFamily="49" charset="0"/>
-                <a:sym typeface="Arial"/>
-              </a:rPr>
-              <a:t>│   │   ├── </a:t>
-            </a:r>
-            <a:r>
-              <a:rPr kumimoji="0" lang="de-DE" sz="1100" b="1" i="0" u="none" strike="noStrike" kern="0" cap="none" spc="0" normalizeH="0" baseline="0" noProof="0" dirty="0" err="1">
-                <a:ln>
-                  <a:noFill/>
-                </a:ln>
-                <a:solidFill>
-                  <a:srgbClr val="002060"/>
-                </a:solidFill>
-                <a:effectLst/>
-                <a:uLnTx/>
-                <a:uFillTx/>
-                <a:latin typeface="Courier New" panose="02070309020205020404" pitchFamily="49" charset="0"/>
-                <a:cs typeface="Courier New" panose="02070309020205020404" pitchFamily="49" charset="0"/>
-                <a:sym typeface="Arial"/>
-              </a:rPr>
-              <a:t>constants.py</a:t>
-            </a:r>
-            <a:endParaRPr kumimoji="0" lang="de-DE" sz="1100" b="1" i="0" u="none" strike="noStrike" kern="0" cap="none" spc="0" normalizeH="0" baseline="0" noProof="0" dirty="0">
-              <a:ln>
-                <a:noFill/>
-              </a:ln>
-              <a:solidFill>
-                <a:srgbClr val="002060"/>
-              </a:solidFill>
-              <a:effectLst/>
-              <a:uLnTx/>
-              <a:uFillTx/>
-              <a:latin typeface="Courier New" panose="02070309020205020404" pitchFamily="49" charset="0"/>
-              <a:cs typeface="Courier New" panose="02070309020205020404" pitchFamily="49" charset="0"/>
-              <a:sym typeface="Arial"/>
-            </a:endParaRPr>
-          </a:p>
-          <a:p>
-            <a:pPr marL="0" marR="0" lvl="0" indent="0" algn="l" defTabSz="914400" rtl="0" eaLnBrk="1" fontAlgn="auto" latinLnBrk="0" hangingPunct="0">
-              <a:lnSpc>
-                <a:spcPct val="100000"/>
-              </a:lnSpc>
-              <a:spcBef>
-                <a:spcPts val="0"/>
-              </a:spcBef>
-              <a:spcAft>
-                <a:spcPts val="0"/>
-              </a:spcAft>
-              <a:buClrTx/>
-              <a:buSzTx/>
-              <a:buFontTx/>
-              <a:buNone/>
-              <a:tabLst/>
-              <a:defRPr/>
-            </a:pPr>
-            <a:r>
-              <a:rPr kumimoji="0" lang="de-DE" sz="1100" b="1" i="0" u="none" strike="noStrike" kern="0" cap="none" spc="0" normalizeH="0" baseline="0" noProof="0" dirty="0">
-                <a:ln>
-                  <a:noFill/>
-                </a:ln>
-                <a:solidFill>
-                  <a:srgbClr val="002060"/>
-                </a:solidFill>
-                <a:effectLst/>
-                <a:uLnTx/>
-                <a:uFillTx/>
-                <a:latin typeface="Courier New" panose="02070309020205020404" pitchFamily="49" charset="0"/>
-                <a:cs typeface="Courier New" panose="02070309020205020404" pitchFamily="49" charset="0"/>
-                <a:sym typeface="Arial"/>
-              </a:rPr>
-              <a:t>│   │   ├── </a:t>
-            </a:r>
-            <a:r>
-              <a:rPr kumimoji="0" lang="de-DE" sz="1100" b="1" i="0" u="none" strike="noStrike" kern="0" cap="none" spc="0" normalizeH="0" baseline="0" noProof="0" dirty="0" err="1">
-                <a:ln>
-                  <a:noFill/>
-                </a:ln>
-                <a:solidFill>
-                  <a:srgbClr val="002060"/>
-                </a:solidFill>
-                <a:effectLst/>
-                <a:uLnTx/>
-                <a:uFillTx/>
-                <a:latin typeface="Courier New" panose="02070309020205020404" pitchFamily="49" charset="0"/>
-                <a:cs typeface="Courier New" panose="02070309020205020404" pitchFamily="49" charset="0"/>
-                <a:sym typeface="Arial"/>
-              </a:rPr>
-              <a:t>data_preprocessing.py</a:t>
-            </a:r>
-            <a:endParaRPr kumimoji="0" lang="de-DE" sz="1100" b="1" i="0" u="none" strike="noStrike" kern="0" cap="none" spc="0" normalizeH="0" baseline="0" noProof="0" dirty="0">
-              <a:ln>
-                <a:noFill/>
-              </a:ln>
-              <a:solidFill>
-                <a:srgbClr val="002060"/>
-              </a:solidFill>
-              <a:effectLst/>
-              <a:uLnTx/>
-              <a:uFillTx/>
-              <a:latin typeface="Courier New" panose="02070309020205020404" pitchFamily="49" charset="0"/>
-              <a:cs typeface="Courier New" panose="02070309020205020404" pitchFamily="49" charset="0"/>
-              <a:sym typeface="Arial"/>
-            </a:endParaRPr>
-          </a:p>
-          <a:p>
-            <a:pPr marL="0" marR="0" lvl="0" indent="0" algn="l" defTabSz="914400" rtl="0" eaLnBrk="1" fontAlgn="auto" latinLnBrk="0" hangingPunct="0">
-              <a:lnSpc>
-                <a:spcPct val="100000"/>
-              </a:lnSpc>
-              <a:spcBef>
-                <a:spcPts val="0"/>
-              </a:spcBef>
-              <a:spcAft>
-                <a:spcPts val="0"/>
-              </a:spcAft>
-              <a:buClrTx/>
-              <a:buSzTx/>
-              <a:buFontTx/>
-              <a:buNone/>
-              <a:tabLst/>
-              <a:defRPr/>
-            </a:pPr>
-            <a:r>
-              <a:rPr kumimoji="0" lang="de-DE" sz="1100" b="1" i="0" u="none" strike="noStrike" kern="0" cap="none" spc="0" normalizeH="0" baseline="0" noProof="0" dirty="0">
-                <a:ln>
-                  <a:noFill/>
-                </a:ln>
-                <a:solidFill>
-                  <a:srgbClr val="002060"/>
-                </a:solidFill>
-                <a:effectLst/>
-                <a:uLnTx/>
-                <a:uFillTx/>
-                <a:latin typeface="Courier New" panose="02070309020205020404" pitchFamily="49" charset="0"/>
-                <a:cs typeface="Courier New" panose="02070309020205020404" pitchFamily="49" charset="0"/>
-                <a:sym typeface="Arial"/>
-              </a:rPr>
-              <a:t>│   │   ├── </a:t>
-            </a:r>
-            <a:r>
-              <a:rPr kumimoji="0" lang="de-DE" sz="1100" b="1" i="0" u="none" strike="noStrike" kern="0" cap="none" spc="0" normalizeH="0" baseline="0" noProof="0" dirty="0" err="1">
-                <a:ln>
-                  <a:noFill/>
-                </a:ln>
-                <a:solidFill>
-                  <a:srgbClr val="002060"/>
-                </a:solidFill>
-                <a:effectLst/>
-                <a:uLnTx/>
-                <a:uFillTx/>
-                <a:latin typeface="Courier New" panose="02070309020205020404" pitchFamily="49" charset="0"/>
-                <a:cs typeface="Courier New" panose="02070309020205020404" pitchFamily="49" charset="0"/>
-                <a:sym typeface="Arial"/>
-              </a:rPr>
-              <a:t>data_visualization.py</a:t>
-            </a:r>
-            <a:endParaRPr kumimoji="0" lang="de-DE" sz="1100" b="1" i="0" u="none" strike="noStrike" kern="0" cap="none" spc="0" normalizeH="0" baseline="0" noProof="0" dirty="0">
-              <a:ln>
-                <a:noFill/>
-              </a:ln>
-              <a:solidFill>
-                <a:srgbClr val="002060"/>
-              </a:solidFill>
-              <a:effectLst/>
-              <a:uLnTx/>
-              <a:uFillTx/>
-              <a:latin typeface="Courier New" panose="02070309020205020404" pitchFamily="49" charset="0"/>
-              <a:cs typeface="Courier New" panose="02070309020205020404" pitchFamily="49" charset="0"/>
-              <a:sym typeface="Arial"/>
-            </a:endParaRPr>
-          </a:p>
-          <a:p>
-            <a:pPr marL="0" marR="0" lvl="0" indent="0" algn="l" defTabSz="914400" rtl="0" eaLnBrk="1" fontAlgn="auto" latinLnBrk="0" hangingPunct="0">
-              <a:lnSpc>
-                <a:spcPct val="100000"/>
-              </a:lnSpc>
-              <a:spcBef>
-                <a:spcPts val="0"/>
-              </a:spcBef>
-              <a:spcAft>
-                <a:spcPts val="0"/>
-              </a:spcAft>
-              <a:buClrTx/>
-              <a:buSzTx/>
-              <a:buFontTx/>
-              <a:buNone/>
-              <a:tabLst/>
-              <a:defRPr/>
-            </a:pPr>
-            <a:r>
-              <a:rPr kumimoji="0" lang="de-DE" sz="1100" b="1" i="0" u="none" strike="noStrike" kern="0" cap="none" spc="0" normalizeH="0" baseline="0" noProof="0" dirty="0">
-                <a:ln>
-                  <a:noFill/>
-                </a:ln>
-                <a:solidFill>
-                  <a:srgbClr val="002060"/>
-                </a:solidFill>
-                <a:effectLst/>
-                <a:uLnTx/>
-                <a:uFillTx/>
-                <a:latin typeface="Courier New" panose="02070309020205020404" pitchFamily="49" charset="0"/>
-                <a:cs typeface="Courier New" panose="02070309020205020404" pitchFamily="49" charset="0"/>
-                <a:sym typeface="Arial"/>
-              </a:rPr>
-              <a:t>│   │   ├── </a:t>
-            </a:r>
-            <a:r>
-              <a:rPr kumimoji="0" lang="de-DE" sz="1100" b="1" i="0" u="none" strike="noStrike" kern="0" cap="none" spc="0" normalizeH="0" baseline="0" noProof="0" dirty="0" err="1">
-                <a:ln>
-                  <a:noFill/>
-                </a:ln>
-                <a:solidFill>
-                  <a:srgbClr val="002060"/>
-                </a:solidFill>
-                <a:effectLst/>
-                <a:uLnTx/>
-                <a:uFillTx/>
-                <a:latin typeface="Courier New" panose="02070309020205020404" pitchFamily="49" charset="0"/>
-                <a:cs typeface="Courier New" panose="02070309020205020404" pitchFamily="49" charset="0"/>
-                <a:sym typeface="Arial"/>
-              </a:rPr>
-              <a:t>file_io.py</a:t>
-            </a:r>
-            <a:endParaRPr kumimoji="0" lang="de-DE" sz="1100" b="1" i="0" u="none" strike="noStrike" kern="0" cap="none" spc="0" normalizeH="0" baseline="0" noProof="0" dirty="0">
-              <a:ln>
-                <a:noFill/>
-              </a:ln>
-              <a:solidFill>
-                <a:srgbClr val="002060"/>
-              </a:solidFill>
-              <a:effectLst/>
-              <a:uLnTx/>
-              <a:uFillTx/>
-              <a:latin typeface="Courier New" panose="02070309020205020404" pitchFamily="49" charset="0"/>
-              <a:cs typeface="Courier New" panose="02070309020205020404" pitchFamily="49" charset="0"/>
-              <a:sym typeface="Arial"/>
-            </a:endParaRPr>
-          </a:p>
-          <a:p>
-            <a:pPr marL="0" marR="0" lvl="0" indent="0" algn="l" defTabSz="914400" rtl="0" eaLnBrk="1" fontAlgn="auto" latinLnBrk="0" hangingPunct="0">
-              <a:lnSpc>
-                <a:spcPct val="100000"/>
-              </a:lnSpc>
-              <a:spcBef>
-                <a:spcPts val="0"/>
-              </a:spcBef>
-              <a:spcAft>
-                <a:spcPts val="0"/>
-              </a:spcAft>
-              <a:buClrTx/>
-              <a:buSzTx/>
-              <a:buFontTx/>
-              <a:buNone/>
-              <a:tabLst/>
-              <a:defRPr/>
-            </a:pPr>
-            <a:r>
-              <a:rPr kumimoji="0" lang="de-DE" sz="1100" b="1" i="0" u="none" strike="noStrike" kern="0" cap="none" spc="0" normalizeH="0" baseline="0" noProof="0" dirty="0">
-                <a:ln>
-                  <a:noFill/>
-                </a:ln>
-                <a:solidFill>
-                  <a:srgbClr val="002060"/>
-                </a:solidFill>
-                <a:effectLst/>
-                <a:uLnTx/>
-                <a:uFillTx/>
-                <a:latin typeface="Courier New" panose="02070309020205020404" pitchFamily="49" charset="0"/>
-                <a:cs typeface="Courier New" panose="02070309020205020404" pitchFamily="49" charset="0"/>
-                <a:sym typeface="Arial"/>
-              </a:rPr>
-              <a:t>│   │   ├── </a:t>
-            </a:r>
-            <a:r>
-              <a:rPr kumimoji="0" lang="de-DE" sz="1100" b="1" i="0" u="none" strike="noStrike" kern="0" cap="none" spc="0" normalizeH="0" baseline="0" noProof="0" dirty="0" err="1">
-                <a:ln>
-                  <a:noFill/>
-                </a:ln>
-                <a:solidFill>
-                  <a:srgbClr val="002060"/>
-                </a:solidFill>
-                <a:effectLst/>
-                <a:uLnTx/>
-                <a:uFillTx/>
-                <a:latin typeface="Courier New" panose="02070309020205020404" pitchFamily="49" charset="0"/>
-                <a:cs typeface="Courier New" panose="02070309020205020404" pitchFamily="49" charset="0"/>
-                <a:sym typeface="Arial"/>
-              </a:rPr>
-              <a:t>models.py</a:t>
-            </a:r>
-            <a:endParaRPr kumimoji="0" lang="de-DE" sz="1100" b="1" i="0" u="none" strike="noStrike" kern="0" cap="none" spc="0" normalizeH="0" baseline="0" noProof="0" dirty="0">
-              <a:ln>
-                <a:noFill/>
-              </a:ln>
-              <a:solidFill>
-                <a:srgbClr val="002060"/>
-              </a:solidFill>
-              <a:effectLst/>
-              <a:uLnTx/>
-              <a:uFillTx/>
-              <a:latin typeface="Courier New" panose="02070309020205020404" pitchFamily="49" charset="0"/>
-              <a:cs typeface="Courier New" panose="02070309020205020404" pitchFamily="49" charset="0"/>
-              <a:sym typeface="Arial"/>
-            </a:endParaRPr>
-          </a:p>
-          <a:p>
-            <a:pPr>
-              <a:defRPr/>
-            </a:pPr>
-            <a:r>
-              <a:rPr lang="de-DE" sz="1100" b="1" dirty="0">
-                <a:solidFill>
-                  <a:srgbClr val="002060"/>
-                </a:solidFill>
-                <a:latin typeface="Courier New" panose="02070309020205020404" pitchFamily="49" charset="0"/>
-                <a:cs typeface="Courier New" panose="02070309020205020404" pitchFamily="49" charset="0"/>
-              </a:rPr>
-              <a:t>├── </a:t>
-            </a:r>
-            <a:r>
-              <a:rPr lang="de-DE" sz="1100" b="1" dirty="0" err="1">
-                <a:solidFill>
-                  <a:srgbClr val="002060"/>
-                </a:solidFill>
-                <a:latin typeface="Courier New" panose="02070309020205020404" pitchFamily="49" charset="0"/>
-                <a:cs typeface="Courier New" panose="02070309020205020404" pitchFamily="49" charset="0"/>
-              </a:rPr>
-              <a:t>tests</a:t>
-            </a:r>
-            <a:r>
-              <a:rPr lang="de-DE" sz="1100" b="1" dirty="0">
-                <a:solidFill>
-                  <a:srgbClr val="002060"/>
-                </a:solidFill>
-                <a:latin typeface="Courier New" panose="02070309020205020404" pitchFamily="49" charset="0"/>
-                <a:cs typeface="Courier New" panose="02070309020205020404" pitchFamily="49" charset="0"/>
-              </a:rPr>
-              <a:t>/</a:t>
-            </a:r>
-          </a:p>
-          <a:p>
-            <a:pPr marL="0" marR="0" lvl="0" indent="0" algn="l" defTabSz="914400" rtl="0" eaLnBrk="1" fontAlgn="auto" latinLnBrk="0" hangingPunct="0">
-              <a:lnSpc>
-                <a:spcPct val="100000"/>
-              </a:lnSpc>
-              <a:spcBef>
-                <a:spcPts val="0"/>
-              </a:spcBef>
-              <a:spcAft>
-                <a:spcPts val="0"/>
-              </a:spcAft>
-              <a:buClrTx/>
-              <a:buSzTx/>
-              <a:buFontTx/>
-              <a:buNone/>
-              <a:tabLst/>
-              <a:defRPr/>
-            </a:pPr>
-            <a:r>
-              <a:rPr kumimoji="0" lang="de-DE" sz="1100" b="1" i="0" u="none" strike="noStrike" kern="0" cap="none" spc="0" normalizeH="0" baseline="0" noProof="0" dirty="0">
-                <a:ln>
-                  <a:noFill/>
-                </a:ln>
-                <a:solidFill>
-                  <a:srgbClr val="002060"/>
-                </a:solidFill>
-                <a:effectLst/>
-                <a:uLnTx/>
-                <a:uFillTx/>
-                <a:latin typeface="Courier New" panose="02070309020205020404" pitchFamily="49" charset="0"/>
-                <a:cs typeface="Courier New" panose="02070309020205020404" pitchFamily="49" charset="0"/>
-                <a:sym typeface="Arial"/>
-              </a:rPr>
-              <a:t>│   ├── test_analysis.py</a:t>
-            </a:r>
-          </a:p>
-          <a:p>
-            <a:pPr marL="0" marR="0" lvl="0" indent="0" algn="l" defTabSz="914400" rtl="0" eaLnBrk="1" fontAlgn="auto" latinLnBrk="0" hangingPunct="0">
-              <a:lnSpc>
-                <a:spcPct val="100000"/>
-              </a:lnSpc>
-              <a:spcBef>
-                <a:spcPts val="0"/>
-              </a:spcBef>
-              <a:spcAft>
-                <a:spcPts val="0"/>
-              </a:spcAft>
-              <a:buClrTx/>
-              <a:buSzTx/>
-              <a:buFontTx/>
-              <a:buNone/>
-              <a:tabLst/>
-              <a:defRPr/>
-            </a:pPr>
-            <a:r>
-              <a:rPr kumimoji="0" lang="de-DE" sz="1100" b="1" i="0" u="none" strike="noStrike" kern="0" cap="none" spc="0" normalizeH="0" baseline="0" noProof="0" dirty="0">
-                <a:ln>
-                  <a:noFill/>
-                </a:ln>
-                <a:solidFill>
-                  <a:srgbClr val="002060"/>
-                </a:solidFill>
-                <a:effectLst/>
-                <a:uLnTx/>
-                <a:uFillTx/>
-                <a:latin typeface="Courier New" panose="02070309020205020404" pitchFamily="49" charset="0"/>
-                <a:cs typeface="Courier New" panose="02070309020205020404" pitchFamily="49" charset="0"/>
-                <a:sym typeface="Arial"/>
-              </a:rPr>
-              <a:t>│   ├── </a:t>
-            </a:r>
-            <a:r>
-              <a:rPr kumimoji="0" lang="de-DE" sz="1100" b="1" i="0" u="none" strike="noStrike" kern="0" cap="none" spc="0" normalizeH="0" baseline="0" noProof="0" dirty="0" err="1">
-                <a:ln>
-                  <a:noFill/>
-                </a:ln>
-                <a:solidFill>
-                  <a:srgbClr val="002060"/>
-                </a:solidFill>
-                <a:effectLst/>
-                <a:uLnTx/>
-                <a:uFillTx/>
-                <a:latin typeface="Courier New" panose="02070309020205020404" pitchFamily="49" charset="0"/>
-                <a:cs typeface="Courier New" panose="02070309020205020404" pitchFamily="49" charset="0"/>
-                <a:sym typeface="Arial"/>
-              </a:rPr>
-              <a:t>test_data_processing.py</a:t>
-            </a:r>
-            <a:endParaRPr kumimoji="0" lang="de-DE" sz="1100" b="1" i="0" u="none" strike="noStrike" kern="0" cap="none" spc="0" normalizeH="0" baseline="0" noProof="0" dirty="0">
-              <a:ln>
-                <a:noFill/>
-              </a:ln>
-              <a:solidFill>
-                <a:srgbClr val="002060"/>
-              </a:solidFill>
-              <a:effectLst/>
-              <a:uLnTx/>
-              <a:uFillTx/>
-              <a:latin typeface="Courier New" panose="02070309020205020404" pitchFamily="49" charset="0"/>
-              <a:cs typeface="Courier New" panose="02070309020205020404" pitchFamily="49" charset="0"/>
-              <a:sym typeface="Arial"/>
-            </a:endParaRPr>
-          </a:p>
-          <a:p>
-            <a:pPr marL="0" marR="0" lvl="0" indent="0" algn="l" defTabSz="914400" rtl="0" eaLnBrk="1" fontAlgn="auto" latinLnBrk="0" hangingPunct="0">
-              <a:lnSpc>
-                <a:spcPct val="100000"/>
-              </a:lnSpc>
-              <a:spcBef>
-                <a:spcPts val="0"/>
-              </a:spcBef>
-              <a:spcAft>
-                <a:spcPts val="0"/>
-              </a:spcAft>
-              <a:buClrTx/>
-              <a:buSzTx/>
-              <a:buFontTx/>
-              <a:buNone/>
-              <a:tabLst/>
-              <a:defRPr/>
-            </a:pPr>
-            <a:r>
-              <a:rPr kumimoji="0" lang="de-DE" sz="1100" b="1" i="0" u="none" strike="noStrike" kern="0" cap="none" spc="0" normalizeH="0" baseline="0" noProof="0" dirty="0">
-                <a:ln>
-                  <a:noFill/>
-                </a:ln>
-                <a:solidFill>
-                  <a:srgbClr val="002060"/>
-                </a:solidFill>
-                <a:effectLst/>
-                <a:uLnTx/>
-                <a:uFillTx/>
-                <a:latin typeface="Courier New" panose="02070309020205020404" pitchFamily="49" charset="0"/>
-                <a:cs typeface="Courier New" panose="02070309020205020404" pitchFamily="49" charset="0"/>
-                <a:sym typeface="Arial"/>
-              </a:rPr>
-              <a:t>│   ├── </a:t>
-            </a:r>
-            <a:r>
-              <a:rPr kumimoji="0" lang="de-DE" sz="1100" b="1" i="0" u="none" strike="noStrike" kern="0" cap="none" spc="0" normalizeH="0" baseline="0" noProof="0" dirty="0" err="1">
-                <a:ln>
-                  <a:noFill/>
-                </a:ln>
-                <a:solidFill>
-                  <a:srgbClr val="002060"/>
-                </a:solidFill>
-                <a:effectLst/>
-                <a:uLnTx/>
-                <a:uFillTx/>
-                <a:latin typeface="Courier New" panose="02070309020205020404" pitchFamily="49" charset="0"/>
-                <a:cs typeface="Courier New" panose="02070309020205020404" pitchFamily="49" charset="0"/>
-                <a:sym typeface="Arial"/>
-              </a:rPr>
-              <a:t>test_models.py</a:t>
-            </a:r>
-            <a:endParaRPr kumimoji="0" lang="de-DE" sz="1100" b="1" i="0" u="none" strike="noStrike" kern="0" cap="none" spc="0" normalizeH="0" baseline="0" noProof="0" dirty="0">
-              <a:ln>
-                <a:noFill/>
-              </a:ln>
-              <a:solidFill>
-                <a:srgbClr val="002060"/>
-              </a:solidFill>
-              <a:effectLst/>
-              <a:uLnTx/>
-              <a:uFillTx/>
-              <a:latin typeface="Courier New" panose="02070309020205020404" pitchFamily="49" charset="0"/>
-              <a:cs typeface="Courier New" panose="02070309020205020404" pitchFamily="49" charset="0"/>
-              <a:sym typeface="Arial"/>
-            </a:endParaRPr>
-          </a:p>
-        </p:txBody>
-      </p:sp>
-      <p:sp>
-        <p:nvSpPr>
-          <p:cNvPr id="7" name="* pick one from choosealicense.com">
-            <a:extLst>
-              <a:ext uri="{FF2B5EF4-FFF2-40B4-BE49-F238E27FC236}">
-                <a16:creationId xmlns:a16="http://schemas.microsoft.com/office/drawing/2014/main" id="{AA65E0EA-18EB-59C5-8F3C-1C67CA906DA5}"/>
-              </a:ext>
-            </a:extLst>
-          </p:cNvPr>
-          <p:cNvSpPr txBox="1"/>
-          <p:nvPr/>
-        </p:nvSpPr>
-        <p:spPr>
-          <a:xfrm>
-            <a:off x="361911" y="4936373"/>
-            <a:ext cx="2340433" cy="239271"/>
-          </a:xfrm>
-          <a:prstGeom prst="rect">
-            <a:avLst/>
-          </a:prstGeom>
-          <a:ln w="12700">
-            <a:miter lim="400000"/>
-          </a:ln>
-          <a:extLst>
-            <a:ext uri="{C572A759-6A51-4108-AA02-DFA0A04FC94B}">
-              <ma14:wrappingTextBoxFlag xmlns="" xmlns:m="http://schemas.openxmlformats.org/officeDocument/2006/math" xmlns:a14="http://schemas.microsoft.com/office/drawing/2010/main" xmlns:ma14="http://schemas.microsoft.com/office/mac/drawingml/2011/main" val="1"/>
-            </a:ext>
-          </a:extLst>
-        </p:spPr>
-        <p:txBody>
-          <a:bodyPr wrap="none" lIns="45719" rIns="45719">
-            <a:spAutoFit/>
-          </a:bodyPr>
-          <a:lstStyle>
-            <a:lvl1pPr>
-              <a:defRPr sz="1100">
-                <a:solidFill>
-                  <a:srgbClr val="6BA5B3"/>
-                </a:solidFill>
-              </a:defRPr>
-            </a:lvl1pPr>
-          </a:lstStyle>
-          <a:p>
-            <a:r>
-              <a:t>* pick one from choosealicense.com</a:t>
-            </a:r>
-          </a:p>
-        </p:txBody>
-      </p:sp>
-      <p:sp>
-        <p:nvSpPr>
-          <p:cNvPr id="8" name="Rectangle 63">
-            <a:extLst>
-              <a:ext uri="{FF2B5EF4-FFF2-40B4-BE49-F238E27FC236}">
-                <a16:creationId xmlns:a16="http://schemas.microsoft.com/office/drawing/2014/main" id="{C4A44048-DC43-A097-7467-849F4B3E2929}"/>
-              </a:ext>
-            </a:extLst>
-          </p:cNvPr>
-          <p:cNvSpPr txBox="1"/>
-          <p:nvPr/>
-        </p:nvSpPr>
-        <p:spPr>
-          <a:xfrm>
-            <a:off x="1972989" y="1646374"/>
-            <a:ext cx="2312349" cy="695224"/>
-          </a:xfrm>
-          <a:prstGeom prst="rect">
-            <a:avLst/>
-          </a:prstGeom>
-          <a:ln w="12700">
-            <a:miter lim="400000"/>
-          </a:ln>
-          <a:extLst>
-            <a:ext uri="{C572A759-6A51-4108-AA02-DFA0A04FC94B}">
-              <ma14:wrappingTextBoxFlag xmlns="" xmlns:m="http://schemas.openxmlformats.org/officeDocument/2006/math" xmlns:a14="http://schemas.microsoft.com/office/drawing/2010/main" xmlns:ma14="http://schemas.microsoft.com/office/mac/drawingml/2011/main" val="1"/>
-            </a:ext>
-          </a:extLst>
-        </p:spPr>
-        <p:txBody>
-          <a:bodyPr lIns="45719" rIns="45719">
-            <a:spAutoFit/>
-          </a:bodyPr>
-          <a:lstStyle/>
-          <a:p>
-            <a:pPr algn="r">
-              <a:defRPr>
-                <a:solidFill>
-                  <a:srgbClr val="6BA5B3"/>
-                </a:solidFill>
-              </a:defRPr>
-            </a:pPr>
-            <a:r>
-              <a:rPr b="1" dirty="0"/>
-              <a:t>LICENSE</a:t>
-            </a:r>
-            <a:r>
-              <a:rPr dirty="0"/>
-              <a:t> </a:t>
-            </a:r>
-            <a:br>
-              <a:rPr dirty="0"/>
-            </a:br>
-            <a:r>
-              <a:rPr dirty="0"/>
-              <a:t>makes the package </a:t>
-            </a:r>
-            <a:br>
-              <a:rPr dirty="0"/>
-            </a:br>
-            <a:r>
-              <a:rPr dirty="0"/>
-              <a:t>(legally) usable.*</a:t>
-            </a:r>
-          </a:p>
-        </p:txBody>
-      </p:sp>
-      <p:sp>
-        <p:nvSpPr>
-          <p:cNvPr id="9" name="Straight Arrow Connector 64">
-            <a:extLst>
-              <a:ext uri="{FF2B5EF4-FFF2-40B4-BE49-F238E27FC236}">
-                <a16:creationId xmlns:a16="http://schemas.microsoft.com/office/drawing/2014/main" id="{69CAA6DE-B21A-66FB-7010-928EC08603EC}"/>
-              </a:ext>
-            </a:extLst>
-          </p:cNvPr>
-          <p:cNvSpPr/>
-          <p:nvPr/>
-        </p:nvSpPr>
-        <p:spPr>
-          <a:xfrm flipV="1">
-            <a:off x="4285338" y="1435256"/>
-            <a:ext cx="1091831" cy="601307"/>
-          </a:xfrm>
-          <a:prstGeom prst="line">
-            <a:avLst/>
-          </a:prstGeom>
-          <a:ln w="25400">
-            <a:solidFill>
-              <a:srgbClr val="6BA5B3"/>
-            </a:solidFill>
-            <a:tailEnd type="triangle"/>
-          </a:ln>
-        </p:spPr>
-        <p:txBody>
-          <a:bodyPr lIns="45719" rIns="45719"/>
-          <a:lstStyle/>
-          <a:p>
-            <a:endParaRPr/>
-          </a:p>
-        </p:txBody>
-      </p:sp>
-      <p:sp>
-        <p:nvSpPr>
-          <p:cNvPr id="10" name="Rectangle 63">
-            <a:extLst>
-              <a:ext uri="{FF2B5EF4-FFF2-40B4-BE49-F238E27FC236}">
-                <a16:creationId xmlns:a16="http://schemas.microsoft.com/office/drawing/2014/main" id="{294C6EAD-FF37-2D7F-5B4B-8AD21E481CBA}"/>
-              </a:ext>
-            </a:extLst>
-          </p:cNvPr>
-          <p:cNvSpPr txBox="1"/>
-          <p:nvPr/>
-        </p:nvSpPr>
-        <p:spPr>
-          <a:xfrm>
-            <a:off x="869152" y="2579372"/>
-            <a:ext cx="2312349" cy="898424"/>
-          </a:xfrm>
-          <a:prstGeom prst="rect">
-            <a:avLst/>
-          </a:prstGeom>
-          <a:ln w="12700">
-            <a:miter lim="400000"/>
-          </a:ln>
-          <a:extLst>
-            <a:ext uri="{C572A759-6A51-4108-AA02-DFA0A04FC94B}">
-              <ma14:wrappingTextBoxFlag xmlns="" xmlns:m="http://schemas.openxmlformats.org/officeDocument/2006/math" xmlns:a14="http://schemas.microsoft.com/office/drawing/2010/main" xmlns:ma14="http://schemas.microsoft.com/office/mac/drawingml/2011/main" val="1"/>
-            </a:ext>
-          </a:extLst>
-        </p:spPr>
-        <p:txBody>
-          <a:bodyPr lIns="45719" rIns="45719">
-            <a:spAutoFit/>
-          </a:bodyPr>
-          <a:lstStyle/>
-          <a:p>
-            <a:pPr algn="r">
-              <a:defRPr>
-                <a:solidFill>
-                  <a:srgbClr val="6BA5B3"/>
-                </a:solidFill>
-              </a:defRPr>
-            </a:pPr>
-            <a:r>
-              <a:rPr b="1" dirty="0"/>
-              <a:t>README</a:t>
-            </a:r>
-            <a:r>
-              <a:rPr dirty="0"/>
-              <a:t> </a:t>
-            </a:r>
-            <a:br>
-              <a:rPr dirty="0"/>
-            </a:br>
-            <a:r>
-              <a:rPr dirty="0"/>
-              <a:t>contains more information e.g. instructions on how to use your package.</a:t>
-            </a:r>
-          </a:p>
-        </p:txBody>
-      </p:sp>
-      <p:sp>
-        <p:nvSpPr>
-          <p:cNvPr id="11" name="Straight Arrow Connector 64">
-            <a:extLst>
-              <a:ext uri="{FF2B5EF4-FFF2-40B4-BE49-F238E27FC236}">
-                <a16:creationId xmlns:a16="http://schemas.microsoft.com/office/drawing/2014/main" id="{2AE8CFDF-668C-B7FE-67EA-8FDBC3F40302}"/>
-              </a:ext>
-            </a:extLst>
-          </p:cNvPr>
-          <p:cNvSpPr/>
-          <p:nvPr/>
-        </p:nvSpPr>
-        <p:spPr>
-          <a:xfrm flipV="1">
-            <a:off x="3181501" y="2169257"/>
-            <a:ext cx="2195669" cy="871970"/>
-          </a:xfrm>
-          <a:prstGeom prst="line">
-            <a:avLst/>
-          </a:prstGeom>
-          <a:ln w="25400">
-            <a:solidFill>
-              <a:srgbClr val="6BA5B3"/>
-            </a:solidFill>
-            <a:tailEnd type="triangle"/>
-          </a:ln>
-        </p:spPr>
-        <p:txBody>
-          <a:bodyPr lIns="45719" rIns="45719"/>
-          <a:lstStyle/>
-          <a:p>
-            <a:endParaRPr/>
-          </a:p>
-        </p:txBody>
-      </p:sp>
-      <p:sp>
-        <p:nvSpPr>
-          <p:cNvPr id="12" name="Rectangle 63">
-            <a:extLst>
-              <a:ext uri="{FF2B5EF4-FFF2-40B4-BE49-F238E27FC236}">
-                <a16:creationId xmlns:a16="http://schemas.microsoft.com/office/drawing/2014/main" id="{CB0729A2-F252-F8F5-3429-534D1E842D9C}"/>
-              </a:ext>
-            </a:extLst>
-          </p:cNvPr>
-          <p:cNvSpPr txBox="1"/>
-          <p:nvPr/>
-        </p:nvSpPr>
-        <p:spPr>
-          <a:xfrm>
-            <a:off x="816815" y="801467"/>
-            <a:ext cx="2312349" cy="738664"/>
-          </a:xfrm>
-          <a:prstGeom prst="rect">
-            <a:avLst/>
-          </a:prstGeom>
-          <a:ln w="12700">
-            <a:miter lim="400000"/>
-          </a:ln>
-          <a:extLst>
-            <a:ext uri="{C572A759-6A51-4108-AA02-DFA0A04FC94B}">
-              <ma14:wrappingTextBoxFlag xmlns="" xmlns:m="http://schemas.openxmlformats.org/officeDocument/2006/math" xmlns:a14="http://schemas.microsoft.com/office/drawing/2010/main" xmlns:ma14="http://schemas.microsoft.com/office/mac/drawingml/2011/main" val="1"/>
-            </a:ext>
-          </a:extLst>
-        </p:spPr>
-        <p:txBody>
-          <a:bodyPr lIns="45719" rIns="45719">
-            <a:spAutoFit/>
-          </a:bodyPr>
-          <a:lstStyle/>
-          <a:p>
-            <a:pPr algn="r">
-              <a:defRPr>
-                <a:solidFill>
-                  <a:srgbClr val="6BA5B3"/>
-                </a:solidFill>
-              </a:defRPr>
-            </a:pPr>
-            <a:r>
-              <a:rPr lang="en-US" b="1" dirty="0"/>
-              <a:t>.gitignore</a:t>
-            </a:r>
-            <a:r>
-              <a:rPr lang="en-US" dirty="0"/>
-              <a:t> </a:t>
-            </a:r>
-            <a:br>
-              <a:rPr lang="en-US" dirty="0"/>
-            </a:br>
-            <a:r>
-              <a:rPr lang="en-US" dirty="0"/>
-              <a:t>so you don’t add</a:t>
-            </a:r>
-          </a:p>
-          <a:p>
-            <a:pPr algn="r">
-              <a:defRPr>
-                <a:solidFill>
-                  <a:srgbClr val="6BA5B3"/>
-                </a:solidFill>
-              </a:defRPr>
-            </a:pPr>
-            <a:r>
-              <a:rPr lang="en-US" dirty="0" err="1"/>
-              <a:t>pycache</a:t>
-            </a:r>
-            <a:r>
-              <a:rPr lang="en-US" dirty="0"/>
-              <a:t> files ;) </a:t>
-            </a:r>
-          </a:p>
-        </p:txBody>
-      </p:sp>
-      <p:sp>
-        <p:nvSpPr>
-          <p:cNvPr id="13" name="Rectangle 63">
-            <a:extLst>
-              <a:ext uri="{FF2B5EF4-FFF2-40B4-BE49-F238E27FC236}">
-                <a16:creationId xmlns:a16="http://schemas.microsoft.com/office/drawing/2014/main" id="{C4213663-1A55-B974-7B6A-32F63A1CEAB3}"/>
-              </a:ext>
-            </a:extLst>
-          </p:cNvPr>
-          <p:cNvSpPr txBox="1"/>
-          <p:nvPr/>
-        </p:nvSpPr>
-        <p:spPr>
-          <a:xfrm>
-            <a:off x="2506133" y="3730017"/>
-            <a:ext cx="2312349" cy="954107"/>
-          </a:xfrm>
-          <a:prstGeom prst="rect">
-            <a:avLst/>
-          </a:prstGeom>
-          <a:ln w="12700">
-            <a:miter lim="400000"/>
-          </a:ln>
-          <a:extLst>
-            <a:ext uri="{C572A759-6A51-4108-AA02-DFA0A04FC94B}">
-              <ma14:wrappingTextBoxFlag xmlns="" xmlns:m="http://schemas.openxmlformats.org/officeDocument/2006/math" xmlns:a14="http://schemas.microsoft.com/office/drawing/2010/main" xmlns:ma14="http://schemas.microsoft.com/office/mac/drawingml/2011/main" val="1"/>
-            </a:ext>
-          </a:extLst>
-        </p:spPr>
-        <p:txBody>
-          <a:bodyPr lIns="45719" rIns="45719">
-            <a:spAutoFit/>
-          </a:bodyPr>
-          <a:lstStyle/>
-          <a:p>
-            <a:pPr algn="r">
-              <a:defRPr>
-                <a:solidFill>
-                  <a:srgbClr val="6BA5B3"/>
-                </a:solidFill>
-              </a:defRPr>
-            </a:pPr>
-            <a:r>
-              <a:rPr lang="da-DK" b="1" dirty="0"/>
-              <a:t>requirements.txt</a:t>
-            </a:r>
-            <a:r>
-              <a:rPr dirty="0"/>
-              <a:t> </a:t>
-            </a:r>
-            <a:br>
-              <a:rPr dirty="0"/>
-            </a:br>
-            <a:r>
-              <a:rPr lang="da-DK" dirty="0"/>
-              <a:t>in case </a:t>
-            </a:r>
-            <a:r>
-              <a:rPr lang="da-DK" dirty="0" err="1"/>
-              <a:t>dependencies</a:t>
-            </a:r>
-            <a:endParaRPr lang="da-DK" dirty="0"/>
-          </a:p>
-          <a:p>
-            <a:pPr algn="r">
-              <a:defRPr>
-                <a:solidFill>
-                  <a:srgbClr val="6BA5B3"/>
-                </a:solidFill>
-              </a:defRPr>
-            </a:pPr>
-            <a:r>
-              <a:rPr lang="da-DK" dirty="0"/>
-              <a:t>in </a:t>
-            </a:r>
-            <a:r>
-              <a:rPr lang="da-DK" dirty="0" err="1"/>
-              <a:t>pyproject.toml</a:t>
-            </a:r>
-            <a:r>
-              <a:rPr lang="da-DK" dirty="0"/>
-              <a:t> is not</a:t>
-            </a:r>
-          </a:p>
-          <a:p>
-            <a:pPr algn="r">
-              <a:defRPr>
-                <a:solidFill>
-                  <a:srgbClr val="6BA5B3"/>
-                </a:solidFill>
-              </a:defRPr>
-            </a:pPr>
-            <a:r>
-              <a:rPr lang="da-DK" dirty="0"/>
-              <a:t>sufficient</a:t>
-            </a:r>
-            <a:endParaRPr dirty="0"/>
-          </a:p>
-        </p:txBody>
-      </p:sp>
-      <p:sp>
-        <p:nvSpPr>
-          <p:cNvPr id="14" name="Straight Arrow Connector 64">
-            <a:extLst>
-              <a:ext uri="{FF2B5EF4-FFF2-40B4-BE49-F238E27FC236}">
-                <a16:creationId xmlns:a16="http://schemas.microsoft.com/office/drawing/2014/main" id="{D5BDDEE0-6DFF-9229-1B6F-090E65CC466C}"/>
-              </a:ext>
-            </a:extLst>
-          </p:cNvPr>
-          <p:cNvSpPr/>
-          <p:nvPr/>
-        </p:nvSpPr>
-        <p:spPr>
-          <a:xfrm flipV="1">
-            <a:off x="4818482" y="2473133"/>
-            <a:ext cx="606414" cy="1712787"/>
-          </a:xfrm>
-          <a:prstGeom prst="line">
-            <a:avLst/>
-          </a:prstGeom>
-          <a:ln w="25400">
-            <a:solidFill>
-              <a:srgbClr val="6BA5B3"/>
-            </a:solidFill>
-            <a:tailEnd type="triangle"/>
-          </a:ln>
-        </p:spPr>
-        <p:txBody>
-          <a:bodyPr lIns="45719" rIns="45719"/>
-          <a:lstStyle/>
-          <a:p>
-            <a:endParaRPr/>
-          </a:p>
-        </p:txBody>
-      </p:sp>
-      <p:sp>
-        <p:nvSpPr>
-          <p:cNvPr id="15" name="Straight Arrow Connector 64">
-            <a:extLst>
-              <a:ext uri="{FF2B5EF4-FFF2-40B4-BE49-F238E27FC236}">
-                <a16:creationId xmlns:a16="http://schemas.microsoft.com/office/drawing/2014/main" id="{23389A20-8969-3B82-96FD-3493FCBC4852}"/>
-              </a:ext>
-            </a:extLst>
-          </p:cNvPr>
-          <p:cNvSpPr/>
-          <p:nvPr/>
-        </p:nvSpPr>
-        <p:spPr>
-          <a:xfrm>
-            <a:off x="3129164" y="1148170"/>
-            <a:ext cx="2248005" cy="34837"/>
-          </a:xfrm>
-          <a:prstGeom prst="line">
-            <a:avLst/>
-          </a:prstGeom>
-          <a:ln w="25400">
-            <a:solidFill>
-              <a:srgbClr val="6BA5B3"/>
-            </a:solidFill>
-            <a:tailEnd type="triangle"/>
-          </a:ln>
-        </p:spPr>
-        <p:txBody>
-          <a:bodyPr lIns="45719" rIns="45719"/>
-          <a:lstStyle/>
-          <a:p>
-            <a:endParaRPr/>
-          </a:p>
-        </p:txBody>
-      </p:sp>
-    </p:spTree>
-    <p:extLst>
-      <p:ext uri="{BB962C8B-B14F-4D97-AF65-F5344CB8AC3E}">
-        <p14:creationId xmlns:p14="http://schemas.microsoft.com/office/powerpoint/2010/main" val="706671238"/>
-      </p:ext>
-    </p:extLst>
-  </p:cSld>
-  <p:clrMapOvr>
-    <a:masterClrMapping/>
-  </p:clrMapOvr>
-  <p:transition spd="med"/>
-</p:sld>
-</file>
-
 <file path=ppt/slides/slide8.xml><?xml version="1.0" encoding="utf-8"?>
 <p:sld xmlns:a="http://schemas.openxmlformats.org/drawingml/2006/main" xmlns:r="http://schemas.openxmlformats.org/officeDocument/2006/relationships" xmlns:p="http://schemas.openxmlformats.org/presentationml/2006/main">
   <p:cSld>
@@ -13456,34 +10802,6 @@
             <a:noAutofit/>
           </a:bodyPr>
           <a:lstStyle/>
-          <a:p>
-            <a:pPr indent="-330192">
-              <a:spcAft>
-                <a:spcPts val="600"/>
-              </a:spcAft>
-              <a:buSzPts val="1700"/>
-              <a:defRPr sz="1700"/>
-            </a:pPr>
-            <a:r>
-              <a:rPr lang="en-US" dirty="0"/>
-              <a:t>Like in many other areas in life, </a:t>
-            </a:r>
-            <a:br>
-              <a:rPr lang="en-US" dirty="0"/>
-            </a:br>
-            <a:r>
-              <a:rPr lang="en-US" dirty="0"/>
-              <a:t>code is often organized </a:t>
-            </a:r>
-            <a:r>
-              <a:rPr lang="en-US" b="1" i="1" dirty="0"/>
-              <a:t>by purpose or thematically</a:t>
-            </a:r>
-            <a:r>
-              <a:rPr lang="en-US" dirty="0"/>
-              <a:t>.</a:t>
-            </a:r>
-          </a:p>
           <a:p>
             <a:pPr indent="-330192">
               <a:buSzPts val="1700"/>
